--- a/slides/Aula_01_Introducao_IoT_TinyML.pptx
+++ b/slides/Aula_01_Introducao_IoT_TinyML.pptx
@@ -1,13 +1,16 @@
 
 <file path=ppt/presentation.xml><?xml version="1.0" encoding="utf-8"?>
-<p:presentation xmlns:a="http://schemas.openxmlformats.org/drawingml/2006/main" xmlns:r="http://schemas.openxmlformats.org/officeDocument/2006/relationships" xmlns:p="http://schemas.openxmlformats.org/presentationml/2006/main" saveSubsetFonts="1" autoCompressPictures="0">
+<p:presentation xmlns:a="http://schemas.openxmlformats.org/drawingml/2006/main" xmlns:r="http://schemas.openxmlformats.org/officeDocument/2006/relationships" xmlns:p="http://schemas.openxmlformats.org/presentationml/2006/main" xmlns:m="http://schemas.openxmlformats.org/officeDocument/2006/math" xmlns:w="http://schemas.openxmlformats.org/wordprocessingml/2006/main" autoCompressPictures="0" saveSubsetFonts="1">
   <p:sldMasterIdLst>
     <p:sldMasterId id="2147483648" r:id="rId1"/>
   </p:sldMasterIdLst>
+  <p:notesMasterIdLst>
+    <p:notesMasterId r:id="rId7"/>
+  </p:notesMasterIdLst>
   <p:sldIdLst>
-    <p:sldId id="256" r:id="rId7"/>
-    <p:sldId id="257" r:id="rId8"/>
-    <p:sldId id="258" r:id="rId9"/>
+    <p:sldId id="256" r:id="rId4"/>
+    <p:sldId id="257" r:id="rId5"/>
+    <p:sldId id="258" r:id="rId6"/>
   </p:sldIdLst>
   <p:sldSz cx="9144000" cy="6858000" type="screen4x3"/>
   <p:notesSz cx="6858000" cy="9144000"/>
@@ -15,8 +18,8 @@
     <a:defPPr>
       <a:defRPr lang="en-US"/>
     </a:defPPr>
-    <a:lvl1pPr marL="0" algn="l" defTabSz="457200" rtl="0" eaLnBrk="1" latinLnBrk="0" hangingPunct="1">
-      <a:defRPr sz="1800" kern="1200">
+    <a:lvl1pPr marL="0" algn="l" defTabSz="457200" rtl="0">
+      <a:defRPr sz="1800">
         <a:solidFill>
           <a:schemeClr val="tx1"/>
         </a:solidFill>
@@ -25,8 +28,8 @@
         <a:cs typeface="+mn-cs"/>
       </a:defRPr>
     </a:lvl1pPr>
-    <a:lvl2pPr marL="457200" algn="l" defTabSz="457200" rtl="0" eaLnBrk="1" latinLnBrk="0" hangingPunct="1">
-      <a:defRPr sz="1800" kern="1200">
+    <a:lvl2pPr marL="457200" algn="l" defTabSz="457200" rtl="0">
+      <a:defRPr sz="1800">
         <a:solidFill>
           <a:schemeClr val="tx1"/>
         </a:solidFill>
@@ -35,8 +38,8 @@
         <a:cs typeface="+mn-cs"/>
       </a:defRPr>
     </a:lvl2pPr>
-    <a:lvl3pPr marL="914400" algn="l" defTabSz="457200" rtl="0" eaLnBrk="1" latinLnBrk="0" hangingPunct="1">
-      <a:defRPr sz="1800" kern="1200">
+    <a:lvl3pPr marL="914400" algn="l" defTabSz="457200" rtl="0">
+      <a:defRPr sz="1800">
         <a:solidFill>
           <a:schemeClr val="tx1"/>
         </a:solidFill>
@@ -45,8 +48,8 @@
         <a:cs typeface="+mn-cs"/>
       </a:defRPr>
     </a:lvl3pPr>
-    <a:lvl4pPr marL="1371600" algn="l" defTabSz="457200" rtl="0" eaLnBrk="1" latinLnBrk="0" hangingPunct="1">
-      <a:defRPr sz="1800" kern="1200">
+    <a:lvl4pPr marL="1371600" algn="l" defTabSz="457200" rtl="0">
+      <a:defRPr sz="1800">
         <a:solidFill>
           <a:schemeClr val="tx1"/>
         </a:solidFill>
@@ -55,8 +58,8 @@
         <a:cs typeface="+mn-cs"/>
       </a:defRPr>
     </a:lvl4pPr>
-    <a:lvl5pPr marL="1828800" algn="l" defTabSz="457200" rtl="0" eaLnBrk="1" latinLnBrk="0" hangingPunct="1">
-      <a:defRPr sz="1800" kern="1200">
+    <a:lvl5pPr marL="1828800" algn="l" defTabSz="457200" rtl="0">
+      <a:defRPr sz="1800">
         <a:solidFill>
           <a:schemeClr val="tx1"/>
         </a:solidFill>
@@ -65,8 +68,8 @@
         <a:cs typeface="+mn-cs"/>
       </a:defRPr>
     </a:lvl5pPr>
-    <a:lvl6pPr marL="2286000" algn="l" defTabSz="457200" rtl="0" eaLnBrk="1" latinLnBrk="0" hangingPunct="1">
-      <a:defRPr sz="1800" kern="1200">
+    <a:lvl6pPr marL="2286000" algn="l" defTabSz="457200" rtl="0">
+      <a:defRPr sz="1800">
         <a:solidFill>
           <a:schemeClr val="tx1"/>
         </a:solidFill>
@@ -75,8 +78,8 @@
         <a:cs typeface="+mn-cs"/>
       </a:defRPr>
     </a:lvl6pPr>
-    <a:lvl7pPr marL="2743200" algn="l" defTabSz="457200" rtl="0" eaLnBrk="1" latinLnBrk="0" hangingPunct="1">
-      <a:defRPr sz="1800" kern="1200">
+    <a:lvl7pPr marL="2743200" algn="l" defTabSz="457200" rtl="0">
+      <a:defRPr sz="1800">
         <a:solidFill>
           <a:schemeClr val="tx1"/>
         </a:solidFill>
@@ -85,8 +88,8 @@
         <a:cs typeface="+mn-cs"/>
       </a:defRPr>
     </a:lvl7pPr>
-    <a:lvl8pPr marL="3200400" algn="l" defTabSz="457200" rtl="0" eaLnBrk="1" latinLnBrk="0" hangingPunct="1">
-      <a:defRPr sz="1800" kern="1200">
+    <a:lvl8pPr marL="3200400" algn="l" defTabSz="457200" rtl="0">
+      <a:defRPr sz="1800">
         <a:solidFill>
           <a:schemeClr val="tx1"/>
         </a:solidFill>
@@ -95,8 +98,8 @@
         <a:cs typeface="+mn-cs"/>
       </a:defRPr>
     </a:lvl8pPr>
-    <a:lvl9pPr marL="3657600" algn="l" defTabSz="457200" rtl="0" eaLnBrk="1" latinLnBrk="0" hangingPunct="1">
-      <a:defRPr sz="1800" kern="1200">
+    <a:lvl9pPr marL="3657600" algn="l" defTabSz="457200" rtl="0">
+      <a:defRPr sz="1800">
         <a:solidFill>
           <a:schemeClr val="tx1"/>
         </a:solidFill>
@@ -109,8 +112,583 @@
 </p:presentation>
 </file>
 
+<file path=ppt/notesMasters/notesMaster1.xml><?xml version="1.0" encoding="utf-8"?>
+<p:notesMaster xmlns:a="http://schemas.openxmlformats.org/drawingml/2006/main" xmlns:r="http://schemas.openxmlformats.org/officeDocument/2006/relationships" xmlns:p="http://schemas.openxmlformats.org/presentationml/2006/main">
+  <p:cSld name="">
+    <p:bg>
+      <p:bgRef idx="1001">
+        <a:schemeClr val="bg1"/>
+      </p:bgRef>
+    </p:bg>
+    <p:spTree>
+      <p:nvGrpSpPr>
+        <p:cNvPr id="1" name=""/>
+        <p:cNvGrpSpPr/>
+        <p:nvPr/>
+      </p:nvGrpSpPr>
+      <p:grpSpPr bwMode="auto">
+        <a:xfrm>
+          <a:off x="0" y="0"/>
+          <a:ext cx="0" cy="0"/>
+          <a:chOff x="0" y="0"/>
+          <a:chExt cx="0" cy="0"/>
+        </a:xfrm>
+      </p:grpSpPr>
+      <p:sp>
+        <p:nvSpPr>
+          <p:cNvPr id="2" name="Header Placeholder 1"/>
+          <p:cNvSpPr>
+            <a:spLocks noGrp="1"/>
+          </p:cNvSpPr>
+          <p:nvPr>
+            <p:ph type="hdr" sz="quarter"/>
+          </p:nvPr>
+        </p:nvSpPr>
+        <p:spPr bwMode="auto">
+          <a:xfrm>
+            <a:off x="0" y="0"/>
+            <a:ext cx="2971800" cy="458788"/>
+          </a:xfrm>
+          <a:prstGeom prst="rect">
+            <a:avLst/>
+          </a:prstGeom>
+        </p:spPr>
+        <p:txBody>
+          <a:bodyPr vert="horz" lIns="91440" tIns="45720" rIns="91440" bIns="45720" rtlCol="0" anchor="ctr"/>
+          <a:lstStyle>
+            <a:lvl1pPr algn="l">
+              <a:defRPr sz="1200"/>
+            </a:lvl1pPr>
+          </a:lstStyle>
+          <a:p>
+            <a:pPr>
+              <a:defRPr/>
+            </a:pPr>
+            <a:endParaRPr/>
+          </a:p>
+        </p:txBody>
+      </p:sp>
+      <p:sp>
+        <p:nvSpPr>
+          <p:cNvPr id="3" name="Date Placeholder 2"/>
+          <p:cNvSpPr>
+            <a:spLocks noGrp="1"/>
+          </p:cNvSpPr>
+          <p:nvPr>
+            <p:ph type="dt" idx="2"/>
+          </p:nvPr>
+        </p:nvSpPr>
+        <p:spPr bwMode="auto">
+          <a:xfrm>
+            <a:off x="3884613" y="0"/>
+            <a:ext cx="2971800" cy="458788"/>
+          </a:xfrm>
+          <a:prstGeom prst="rect">
+            <a:avLst/>
+          </a:prstGeom>
+        </p:spPr>
+        <p:txBody>
+          <a:bodyPr vert="horz" lIns="91440" tIns="45720" rIns="91440" bIns="45720" rtlCol="0" anchor="ctr"/>
+          <a:lstStyle>
+            <a:lvl1pPr algn="r">
+              <a:defRPr sz="1200"/>
+            </a:lvl1pPr>
+          </a:lstStyle>
+          <a:p>
+            <a:pPr>
+              <a:defRPr/>
+            </a:pPr>
+            <a:endParaRPr/>
+          </a:p>
+        </p:txBody>
+      </p:sp>
+      <p:sp>
+        <p:nvSpPr>
+          <p:cNvPr id="3" name="Date Placeholder 2"/>
+          <p:cNvSpPr>
+            <a:spLocks noGrp="1"/>
+          </p:cNvSpPr>
+          <p:nvPr>
+            <p:ph type="dt" idx="3"/>
+          </p:nvPr>
+        </p:nvSpPr>
+        <p:spPr bwMode="auto">
+          <a:xfrm>
+            <a:off x="3884613" y="0"/>
+            <a:ext cx="2971800" cy="458788"/>
+          </a:xfrm>
+          <a:prstGeom prst="rect">
+            <a:avLst/>
+          </a:prstGeom>
+        </p:spPr>
+        <p:txBody>
+          <a:bodyPr vert="horz" lIns="91440" tIns="45720" rIns="91440" bIns="45720" rtlCol="0" anchor="ctr"/>
+          <a:lstStyle>
+            <a:lvl1pPr algn="r">
+              <a:defRPr sz="1200"/>
+            </a:lvl1pPr>
+          </a:lstStyle>
+          <a:p>
+            <a:pPr>
+              <a:defRPr/>
+            </a:pPr>
+            <a:endParaRPr/>
+          </a:p>
+        </p:txBody>
+      </p:sp>
+      <p:sp>
+        <p:nvSpPr>
+          <p:cNvPr id="5" name="Notes Placeholder 4"/>
+          <p:cNvSpPr>
+            <a:spLocks noGrp="1"/>
+          </p:cNvSpPr>
+          <p:nvPr>
+            <p:ph type="body" sz="quarter" idx="1"/>
+          </p:nvPr>
+        </p:nvSpPr>
+        <p:spPr bwMode="auto">
+          <a:xfrm>
+            <a:off x="685800" y="4400550"/>
+            <a:ext cx="5486400" cy="3600450"/>
+          </a:xfrm>
+          <a:prstGeom prst="rect">
+            <a:avLst/>
+          </a:prstGeom>
+        </p:spPr>
+        <p:txBody>
+          <a:bodyPr vert="horz" lIns="91440" tIns="45720" rIns="91440" bIns="45720" rtlCol="0" anchor="ctr"/>
+          <a:lstStyle/>
+          <a:p>
+            <a:pPr>
+              <a:defRPr/>
+            </a:pPr>
+            <a:endParaRPr/>
+          </a:p>
+        </p:txBody>
+      </p:sp>
+      <p:sp>
+        <p:nvSpPr>
+          <p:cNvPr id="6" name="Footer Placeholder 5"/>
+          <p:cNvSpPr>
+            <a:spLocks noGrp="1"/>
+          </p:cNvSpPr>
+          <p:nvPr>
+            <p:ph type="ftr" sz="quarter" idx="4"/>
+          </p:nvPr>
+        </p:nvSpPr>
+        <p:spPr bwMode="auto">
+          <a:xfrm>
+            <a:off x="0" y="8685213"/>
+            <a:ext cx="2971800" cy="458787"/>
+          </a:xfrm>
+          <a:prstGeom prst="rect">
+            <a:avLst/>
+          </a:prstGeom>
+        </p:spPr>
+        <p:txBody>
+          <a:bodyPr vert="horz" lIns="91440" tIns="45720" rIns="91440" bIns="45720" rtlCol="0" anchor="b"/>
+          <a:lstStyle>
+            <a:lvl1pPr algn="l">
+              <a:defRPr sz="1200"/>
+            </a:lvl1pPr>
+          </a:lstStyle>
+          <a:p>
+            <a:pPr>
+              <a:defRPr/>
+            </a:pPr>
+            <a:endParaRPr/>
+          </a:p>
+        </p:txBody>
+      </p:sp>
+      <p:sp>
+        <p:nvSpPr>
+          <p:cNvPr id="7" name="Slide Number Placeholder 6"/>
+          <p:cNvSpPr>
+            <a:spLocks noGrp="1"/>
+          </p:cNvSpPr>
+          <p:nvPr>
+            <p:ph type="sldNum" sz="quarter" idx="10"/>
+          </p:nvPr>
+        </p:nvSpPr>
+        <p:spPr bwMode="auto">
+          <a:xfrm>
+            <a:off x="3884613" y="8685213"/>
+            <a:ext cx="2971800" cy="458787"/>
+          </a:xfrm>
+          <a:prstGeom prst="rect">
+            <a:avLst/>
+          </a:prstGeom>
+        </p:spPr>
+        <p:txBody>
+          <a:bodyPr vert="horz" lIns="91440" tIns="45720" rIns="91440" bIns="45720" rtlCol="0" anchor="b"/>
+          <a:lstStyle>
+            <a:lvl1pPr algn="r">
+              <a:defRPr sz="1200"/>
+            </a:lvl1pPr>
+          </a:lstStyle>
+          <a:p>
+            <a:pPr>
+              <a:defRPr/>
+            </a:pPr>
+            <a:endParaRPr/>
+          </a:p>
+        </p:txBody>
+      </p:sp>
+    </p:spTree>
+  </p:cSld>
+  <p:clrMap bg1="lt1" tx1="dk1" bg2="lt2" tx2="dk2" accent1="accent1" accent2="accent2" accent3="accent3" accent4="accent4" accent5="accent5" accent6="accent6" hlink="hlink" folHlink="folHlink"/>
+  <p:notesStyle>
+    <a:lvl1pPr marL="0" algn="l" defTabSz="914400">
+      <a:defRPr sz="1200">
+        <a:solidFill>
+          <a:schemeClr val="tx1"/>
+        </a:solidFill>
+        <a:latin typeface="+mn-lt"/>
+        <a:ea typeface="+mn-ea"/>
+        <a:cs typeface="+mn-cs"/>
+      </a:defRPr>
+    </a:lvl1pPr>
+    <a:lvl2pPr marL="457200" algn="l" defTabSz="914400">
+      <a:defRPr sz="1200">
+        <a:solidFill>
+          <a:schemeClr val="tx1"/>
+        </a:solidFill>
+        <a:latin typeface="+mn-lt"/>
+        <a:ea typeface="+mn-ea"/>
+        <a:cs typeface="+mn-cs"/>
+      </a:defRPr>
+    </a:lvl2pPr>
+    <a:lvl3pPr marL="914400" algn="l" defTabSz="914400">
+      <a:defRPr sz="1200">
+        <a:solidFill>
+          <a:schemeClr val="tx1"/>
+        </a:solidFill>
+        <a:latin typeface="+mn-lt"/>
+        <a:ea typeface="+mn-ea"/>
+        <a:cs typeface="+mn-cs"/>
+      </a:defRPr>
+    </a:lvl3pPr>
+    <a:lvl4pPr marL="1371600" algn="l" defTabSz="914400">
+      <a:defRPr sz="1200">
+        <a:solidFill>
+          <a:schemeClr val="tx1"/>
+        </a:solidFill>
+        <a:latin typeface="+mn-lt"/>
+        <a:ea typeface="+mn-ea"/>
+        <a:cs typeface="+mn-cs"/>
+      </a:defRPr>
+    </a:lvl4pPr>
+    <a:lvl5pPr marL="1828800" algn="l" defTabSz="914400">
+      <a:defRPr sz="1200">
+        <a:solidFill>
+          <a:schemeClr val="tx1"/>
+        </a:solidFill>
+        <a:latin typeface="+mn-lt"/>
+        <a:ea typeface="+mn-ea"/>
+        <a:cs typeface="+mn-cs"/>
+      </a:defRPr>
+    </a:lvl5pPr>
+    <a:lvl6pPr marL="2286000" algn="l" defTabSz="914400">
+      <a:defRPr sz="1200">
+        <a:solidFill>
+          <a:schemeClr val="tx1"/>
+        </a:solidFill>
+        <a:latin typeface="+mn-lt"/>
+        <a:ea typeface="+mn-ea"/>
+        <a:cs typeface="+mn-cs"/>
+      </a:defRPr>
+    </a:lvl6pPr>
+    <a:lvl7pPr marL="2743200" algn="l" defTabSz="914400">
+      <a:defRPr sz="1200">
+        <a:solidFill>
+          <a:schemeClr val="tx1"/>
+        </a:solidFill>
+        <a:latin typeface="+mn-lt"/>
+        <a:ea typeface="+mn-ea"/>
+        <a:cs typeface="+mn-cs"/>
+      </a:defRPr>
+    </a:lvl7pPr>
+    <a:lvl8pPr marL="3200400" algn="l" defTabSz="914400">
+      <a:defRPr sz="1200">
+        <a:solidFill>
+          <a:schemeClr val="tx1"/>
+        </a:solidFill>
+        <a:latin typeface="+mn-lt"/>
+        <a:ea typeface="+mn-ea"/>
+        <a:cs typeface="+mn-cs"/>
+      </a:defRPr>
+    </a:lvl8pPr>
+    <a:lvl9pPr marL="3657600" algn="l" defTabSz="914400">
+      <a:defRPr sz="1200">
+        <a:solidFill>
+          <a:schemeClr val="tx1"/>
+        </a:solidFill>
+        <a:latin typeface="+mn-lt"/>
+        <a:ea typeface="+mn-ea"/>
+        <a:cs typeface="+mn-cs"/>
+      </a:defRPr>
+    </a:lvl9pPr>
+  </p:notesStyle>
+</p:notesMaster>
+</file>
+
+<file path=ppt/notesSlides/notesSlide1.xml><?xml version="1.0" encoding="utf-8"?>
+<p:notes xmlns:a="http://schemas.openxmlformats.org/drawingml/2006/main" xmlns:r="http://schemas.openxmlformats.org/officeDocument/2006/relationships" xmlns:p="http://schemas.openxmlformats.org/presentationml/2006/main" xmlns:m="http://schemas.openxmlformats.org/officeDocument/2006/math" xmlns:w="http://schemas.openxmlformats.org/wordprocessingml/2006/main">
+  <p:cSld name="">
+    <p:spTree>
+      <p:nvGrpSpPr>
+        <p:cNvPr id="1" name=""/>
+        <p:cNvGrpSpPr/>
+        <p:nvPr/>
+      </p:nvGrpSpPr>
+      <p:grpSpPr bwMode="auto">
+        <a:xfrm>
+          <a:off x="0" y="0"/>
+          <a:ext cx="0" cy="0"/>
+          <a:chOff x="0" y="0"/>
+          <a:chExt cx="0" cy="0"/>
+        </a:xfrm>
+      </p:grpSpPr>
+      <p:sp>
+        <p:nvSpPr>
+          <p:cNvPr id="2" name="Slide Image Placeholder 1"/>
+          <p:cNvSpPr>
+            <a:spLocks noChangeAspect="1" noGrp="1" noRot="1"/>
+          </p:cNvSpPr>
+          <p:nvPr>
+            <p:ph type="sldImg"/>
+          </p:nvPr>
+        </p:nvSpPr>
+        <p:spPr bwMode="auto"/>
+      </p:sp>
+      <p:sp>
+        <p:nvSpPr>
+          <p:cNvPr id="3" name="Notes Placeholder 2"/>
+          <p:cNvSpPr>
+            <a:spLocks noGrp="1"/>
+          </p:cNvSpPr>
+          <p:nvPr>
+            <p:ph type="body" idx="1"/>
+          </p:nvPr>
+        </p:nvSpPr>
+        <p:spPr bwMode="auto"/>
+        <p:txBody>
+          <a:bodyPr/>
+          <a:lstStyle/>
+          <a:p>
+            <a:pPr>
+              <a:defRPr/>
+            </a:pPr>
+            <a:endParaRPr/>
+          </a:p>
+        </p:txBody>
+      </p:sp>
+      <p:sp>
+        <p:nvSpPr>
+          <p:cNvPr id="4" name="Slide Number Placeholder 3"/>
+          <p:cNvSpPr>
+            <a:spLocks noGrp="1"/>
+          </p:cNvSpPr>
+          <p:nvPr>
+            <p:ph type="sldNum" sz="quarter" idx="10"/>
+          </p:nvPr>
+        </p:nvSpPr>
+        <p:spPr bwMode="auto"/>
+        <p:txBody>
+          <a:bodyPr/>
+          <a:lstStyle/>
+          <a:p>
+            <a:pPr>
+              <a:defRPr/>
+            </a:pPr>
+            <a:fld id="{CE94B186-89C2-78E8-E6CA-51C5A846C575}" type="slidenum">
+              <a:rPr/>
+              <a:t/>
+            </a:fld>
+            <a:endParaRPr/>
+          </a:p>
+        </p:txBody>
+      </p:sp>
+    </p:spTree>
+  </p:cSld>
+  <p:clrMapOvr>
+    <a:masterClrMapping/>
+  </p:clrMapOvr>
+</p:notes>
+</file>
+
+<file path=ppt/notesSlides/notesSlide2.xml><?xml version="1.0" encoding="utf-8"?>
+<p:notes xmlns:a="http://schemas.openxmlformats.org/drawingml/2006/main" xmlns:r="http://schemas.openxmlformats.org/officeDocument/2006/relationships" xmlns:p="http://schemas.openxmlformats.org/presentationml/2006/main" xmlns:m="http://schemas.openxmlformats.org/officeDocument/2006/math" xmlns:w="http://schemas.openxmlformats.org/wordprocessingml/2006/main">
+  <p:cSld name="">
+    <p:spTree>
+      <p:nvGrpSpPr>
+        <p:cNvPr id="1" name=""/>
+        <p:cNvGrpSpPr/>
+        <p:nvPr/>
+      </p:nvGrpSpPr>
+      <p:grpSpPr bwMode="auto">
+        <a:xfrm>
+          <a:off x="0" y="0"/>
+          <a:ext cx="0" cy="0"/>
+          <a:chOff x="0" y="0"/>
+          <a:chExt cx="0" cy="0"/>
+        </a:xfrm>
+      </p:grpSpPr>
+      <p:sp>
+        <p:nvSpPr>
+          <p:cNvPr id="2" name="Slide Image Placeholder 1"/>
+          <p:cNvSpPr>
+            <a:spLocks noChangeAspect="1" noGrp="1" noRot="1"/>
+          </p:cNvSpPr>
+          <p:nvPr>
+            <p:ph type="sldImg"/>
+          </p:nvPr>
+        </p:nvSpPr>
+        <p:spPr bwMode="auto"/>
+      </p:sp>
+      <p:sp>
+        <p:nvSpPr>
+          <p:cNvPr id="3" name="Notes Placeholder 2"/>
+          <p:cNvSpPr>
+            <a:spLocks noGrp="1"/>
+          </p:cNvSpPr>
+          <p:nvPr>
+            <p:ph type="body" idx="1"/>
+          </p:nvPr>
+        </p:nvSpPr>
+        <p:spPr bwMode="auto"/>
+        <p:txBody>
+          <a:bodyPr/>
+          <a:lstStyle/>
+          <a:p>
+            <a:pPr>
+              <a:defRPr/>
+            </a:pPr>
+            <a:endParaRPr/>
+          </a:p>
+        </p:txBody>
+      </p:sp>
+      <p:sp>
+        <p:nvSpPr>
+          <p:cNvPr id="4" name="Slide Number Placeholder 3"/>
+          <p:cNvSpPr>
+            <a:spLocks noGrp="1"/>
+          </p:cNvSpPr>
+          <p:nvPr>
+            <p:ph type="sldNum" sz="quarter" idx="10"/>
+          </p:nvPr>
+        </p:nvSpPr>
+        <p:spPr bwMode="auto"/>
+        <p:txBody>
+          <a:bodyPr/>
+          <a:lstStyle/>
+          <a:p>
+            <a:pPr>
+              <a:defRPr/>
+            </a:pPr>
+            <a:fld id="{F49CFC7C-8FF0-F668-1AE8-74B82CD06B23}" type="slidenum">
+              <a:rPr/>
+              <a:t/>
+            </a:fld>
+            <a:endParaRPr/>
+          </a:p>
+        </p:txBody>
+      </p:sp>
+    </p:spTree>
+  </p:cSld>
+  <p:clrMapOvr>
+    <a:masterClrMapping/>
+  </p:clrMapOvr>
+</p:notes>
+</file>
+
+<file path=ppt/notesSlides/notesSlide3.xml><?xml version="1.0" encoding="utf-8"?>
+<p:notes xmlns:a="http://schemas.openxmlformats.org/drawingml/2006/main" xmlns:r="http://schemas.openxmlformats.org/officeDocument/2006/relationships" xmlns:p="http://schemas.openxmlformats.org/presentationml/2006/main" xmlns:m="http://schemas.openxmlformats.org/officeDocument/2006/math" xmlns:w="http://schemas.openxmlformats.org/wordprocessingml/2006/main">
+  <p:cSld name="">
+    <p:spTree>
+      <p:nvGrpSpPr>
+        <p:cNvPr id="1" name=""/>
+        <p:cNvGrpSpPr/>
+        <p:nvPr/>
+      </p:nvGrpSpPr>
+      <p:grpSpPr bwMode="auto">
+        <a:xfrm>
+          <a:off x="0" y="0"/>
+          <a:ext cx="0" cy="0"/>
+          <a:chOff x="0" y="0"/>
+          <a:chExt cx="0" cy="0"/>
+        </a:xfrm>
+      </p:grpSpPr>
+      <p:sp>
+        <p:nvSpPr>
+          <p:cNvPr id="2" name="Slide Image Placeholder 1"/>
+          <p:cNvSpPr>
+            <a:spLocks noChangeAspect="1" noGrp="1" noRot="1"/>
+          </p:cNvSpPr>
+          <p:nvPr>
+            <p:ph type="sldImg"/>
+          </p:nvPr>
+        </p:nvSpPr>
+        <p:spPr bwMode="auto"/>
+      </p:sp>
+      <p:sp>
+        <p:nvSpPr>
+          <p:cNvPr id="3" name="Notes Placeholder 2"/>
+          <p:cNvSpPr>
+            <a:spLocks noGrp="1"/>
+          </p:cNvSpPr>
+          <p:nvPr>
+            <p:ph type="body" idx="1"/>
+          </p:nvPr>
+        </p:nvSpPr>
+        <p:spPr bwMode="auto"/>
+        <p:txBody>
+          <a:bodyPr/>
+          <a:lstStyle/>
+          <a:p>
+            <a:pPr>
+              <a:defRPr/>
+            </a:pPr>
+            <a:endParaRPr/>
+          </a:p>
+        </p:txBody>
+      </p:sp>
+      <p:sp>
+        <p:nvSpPr>
+          <p:cNvPr id="4" name="Slide Number Placeholder 3"/>
+          <p:cNvSpPr>
+            <a:spLocks noGrp="1"/>
+          </p:cNvSpPr>
+          <p:nvPr>
+            <p:ph type="sldNum" sz="quarter" idx="10"/>
+          </p:nvPr>
+        </p:nvSpPr>
+        <p:spPr bwMode="auto"/>
+        <p:txBody>
+          <a:bodyPr/>
+          <a:lstStyle/>
+          <a:p>
+            <a:pPr>
+              <a:defRPr/>
+            </a:pPr>
+            <a:fld id="{35956DAA-C887-0DE5-1FC1-E5319C4DE1FE}" type="slidenum">
+              <a:rPr/>
+              <a:t/>
+            </a:fld>
+            <a:endParaRPr/>
+          </a:p>
+        </p:txBody>
+      </p:sp>
+    </p:spTree>
+  </p:cSld>
+  <p:clrMapOvr>
+    <a:masterClrMapping/>
+  </p:clrMapOvr>
+</p:notes>
+</file>
+
 <file path=ppt/slideLayouts/slideLayout1.xml><?xml version="1.0" encoding="utf-8"?>
-<p:sldLayout xmlns:a="http://schemas.openxmlformats.org/drawingml/2006/main" xmlns:r="http://schemas.openxmlformats.org/officeDocument/2006/relationships" xmlns:p="http://schemas.openxmlformats.org/presentationml/2006/main" type="title" preserve="1">
+<p:sldLayout xmlns:a="http://schemas.openxmlformats.org/drawingml/2006/main" xmlns:r="http://schemas.openxmlformats.org/officeDocument/2006/relationships" xmlns:p="http://schemas.openxmlformats.org/presentationml/2006/main" xmlns:m="http://schemas.openxmlformats.org/officeDocument/2006/math" xmlns:w="http://schemas.openxmlformats.org/wordprocessingml/2006/main" matchingName="" preserve="1" showMasterPhAnim="0" showMasterSp="1" type="title" userDrawn="1">
   <p:cSld name="Title Slide">
     <p:spTree>
       <p:nvGrpSpPr>
@@ -118,7 +696,7 @@
         <p:cNvGrpSpPr/>
         <p:nvPr/>
       </p:nvGrpSpPr>
-      <p:grpSpPr>
+      <p:grpSpPr bwMode="auto">
         <a:xfrm>
           <a:off x="0" y="0"/>
           <a:ext cx="0" cy="0"/>
@@ -128,7 +706,7 @@
       </p:grpSpPr>
       <p:sp>
         <p:nvSpPr>
-          <p:cNvPr id="2" name="Title 1"/>
+          <p:cNvPr id="85583268" name="Title 1"/>
           <p:cNvSpPr>
             <a:spLocks noGrp="1"/>
           </p:cNvSpPr>
@@ -136,7 +714,7 @@
             <p:ph type="ctrTitle"/>
           </p:nvPr>
         </p:nvSpPr>
-        <p:spPr>
+        <p:spPr bwMode="auto">
           <a:xfrm>
             <a:off x="685800" y="2130425"/>
             <a:ext cx="7772400" cy="1470025"/>
@@ -146,8 +724,11 @@
           <a:bodyPr/>
           <a:lstStyle/>
           <a:p>
-            <a:r>
-              <a:rPr lang="en-US" smtClean="0"/>
+            <a:pPr>
+              <a:defRPr/>
+            </a:pPr>
+            <a:r>
+              <a:rPr lang="en-US"/>
               <a:t>Click to edit Master title style</a:t>
             </a:r>
             <a:endParaRPr lang="en-US"/>
@@ -156,7 +737,7 @@
       </p:sp>
       <p:sp>
         <p:nvSpPr>
-          <p:cNvPr id="3" name="Subtitle 2"/>
+          <p:cNvPr id="2078729549" name="Subtitle 2"/>
           <p:cNvSpPr>
             <a:spLocks noGrp="1"/>
           </p:cNvSpPr>
@@ -164,10 +745,10 @@
             <p:ph type="subTitle" idx="1"/>
           </p:nvPr>
         </p:nvSpPr>
-        <p:spPr>
+        <p:spPr bwMode="auto">
           <a:xfrm>
             <a:off x="1371600" y="3886200"/>
-            <a:ext cx="6400800" cy="1752600"/>
+            <a:ext cx="6400800" cy="1752599"/>
           </a:xfrm>
         </p:spPr>
         <p:txBody>
@@ -265,8 +846,11 @@
             </a:lvl9pPr>
           </a:lstStyle>
           <a:p>
-            <a:r>
-              <a:rPr lang="en-US" smtClean="0"/>
+            <a:pPr>
+              <a:defRPr/>
+            </a:pPr>
+            <a:r>
+              <a:rPr lang="en-US"/>
               <a:t>Click to edit Master subtitle style</a:t>
             </a:r>
             <a:endParaRPr lang="en-US"/>
@@ -275,7 +859,7 @@
       </p:sp>
       <p:sp>
         <p:nvSpPr>
-          <p:cNvPr id="4" name="Date Placeholder 3"/>
+          <p:cNvPr id="657504288" name="Date Placeholder 3"/>
           <p:cNvSpPr>
             <a:spLocks noGrp="1"/>
           </p:cNvSpPr>
@@ -283,13 +867,16 @@
             <p:ph type="dt" sz="half" idx="10"/>
           </p:nvPr>
         </p:nvSpPr>
-        <p:spPr/>
-        <p:txBody>
-          <a:bodyPr/>
-          <a:lstStyle/>
-          <a:p>
+        <p:spPr bwMode="auto"/>
+        <p:txBody>
+          <a:bodyPr/>
+          <a:lstStyle/>
+          <a:p>
+            <a:pPr>
+              <a:defRPr/>
+            </a:pPr>
             <a:fld id="{5BCAD085-E8A6-8845-BD4E-CB4CCA059FC4}" type="datetimeFigureOut">
-              <a:rPr lang="en-US" smtClean="0"/>
+              <a:rPr lang="en-US"/>
               <a:t>1/27/13</a:t>
             </a:fld>
             <a:endParaRPr lang="en-US"/>
@@ -298,7 +885,7 @@
       </p:sp>
       <p:sp>
         <p:nvSpPr>
-          <p:cNvPr id="5" name="Footer Placeholder 4"/>
+          <p:cNvPr id="1043573198" name="Footer Placeholder 4"/>
           <p:cNvSpPr>
             <a:spLocks noGrp="1"/>
           </p:cNvSpPr>
@@ -306,18 +893,21 @@
             <p:ph type="ftr" sz="quarter" idx="11"/>
           </p:nvPr>
         </p:nvSpPr>
-        <p:spPr/>
-        <p:txBody>
-          <a:bodyPr/>
-          <a:lstStyle/>
-          <a:p>
-            <a:endParaRPr lang="en-US"/>
-          </a:p>
-        </p:txBody>
-      </p:sp>
-      <p:sp>
-        <p:nvSpPr>
-          <p:cNvPr id="6" name="Slide Number Placeholder 5"/>
+        <p:spPr bwMode="auto"/>
+        <p:txBody>
+          <a:bodyPr/>
+          <a:lstStyle/>
+          <a:p>
+            <a:pPr>
+              <a:defRPr/>
+            </a:pPr>
+            <a:endParaRPr lang="en-US"/>
+          </a:p>
+        </p:txBody>
+      </p:sp>
+      <p:sp>
+        <p:nvSpPr>
+          <p:cNvPr id="923243303" name="Slide Number Placeholder 5"/>
           <p:cNvSpPr>
             <a:spLocks noGrp="1"/>
           </p:cNvSpPr>
@@ -325,13 +915,16 @@
             <p:ph type="sldNum" sz="quarter" idx="12"/>
           </p:nvPr>
         </p:nvSpPr>
-        <p:spPr/>
-        <p:txBody>
-          <a:bodyPr/>
-          <a:lstStyle/>
-          <a:p>
+        <p:spPr bwMode="auto"/>
+        <p:txBody>
+          <a:bodyPr/>
+          <a:lstStyle/>
+          <a:p>
+            <a:pPr>
+              <a:defRPr/>
+            </a:pPr>
             <a:fld id="{C1FF6DA9-008F-8B48-92A6-B652298478BF}" type="slidenum">
-              <a:rPr lang="en-US" smtClean="0"/>
+              <a:rPr lang="en-US"/>
               <a:t>‹#›</a:t>
             </a:fld>
             <a:endParaRPr lang="en-US"/>
@@ -339,11 +932,6 @@
         </p:txBody>
       </p:sp>
     </p:spTree>
-    <p:extLst>
-      <p:ext uri="{BB962C8B-B14F-4D97-AF65-F5344CB8AC3E}">
-        <p14:creationId xmlns:p14="http://schemas.microsoft.com/office/powerpoint/2010/main" val="3168075583"/>
-      </p:ext>
-    </p:extLst>
   </p:cSld>
   <p:clrMapOvr>
     <a:masterClrMapping/>
@@ -352,7 +940,7 @@
 </file>
 
 <file path=ppt/slideLayouts/slideLayout10.xml><?xml version="1.0" encoding="utf-8"?>
-<p:sldLayout xmlns:a="http://schemas.openxmlformats.org/drawingml/2006/main" xmlns:r="http://schemas.openxmlformats.org/officeDocument/2006/relationships" xmlns:p="http://schemas.openxmlformats.org/presentationml/2006/main" type="vertTx" preserve="1">
+<p:sldLayout xmlns:a="http://schemas.openxmlformats.org/drawingml/2006/main" xmlns:r="http://schemas.openxmlformats.org/officeDocument/2006/relationships" xmlns:p="http://schemas.openxmlformats.org/presentationml/2006/main" xmlns:m="http://schemas.openxmlformats.org/officeDocument/2006/math" xmlns:w="http://schemas.openxmlformats.org/wordprocessingml/2006/main" matchingName="" preserve="1" showMasterPhAnim="0" showMasterSp="1" type="vertTx" userDrawn="1">
   <p:cSld name="Title and Vertical Text">
     <p:spTree>
       <p:nvGrpSpPr>
@@ -360,7 +948,7 @@
         <p:cNvGrpSpPr/>
         <p:nvPr/>
       </p:nvGrpSpPr>
-      <p:grpSpPr>
+      <p:grpSpPr bwMode="auto">
         <a:xfrm>
           <a:off x="0" y="0"/>
           <a:ext cx="0" cy="0"/>
@@ -370,7 +958,7 @@
       </p:grpSpPr>
       <p:sp>
         <p:nvSpPr>
-          <p:cNvPr id="2" name="Title 1"/>
+          <p:cNvPr id="1675999054" name="Title 1"/>
           <p:cNvSpPr>
             <a:spLocks noGrp="1"/>
           </p:cNvSpPr>
@@ -378,13 +966,16 @@
             <p:ph type="title"/>
           </p:nvPr>
         </p:nvSpPr>
-        <p:spPr/>
-        <p:txBody>
-          <a:bodyPr/>
-          <a:lstStyle/>
-          <a:p>
-            <a:r>
-              <a:rPr lang="en-US" smtClean="0"/>
+        <p:spPr bwMode="auto"/>
+        <p:txBody>
+          <a:bodyPr/>
+          <a:lstStyle/>
+          <a:p>
+            <a:pPr>
+              <a:defRPr/>
+            </a:pPr>
+            <a:r>
+              <a:rPr lang="en-US"/>
               <a:t>Click to edit Master title style</a:t>
             </a:r>
             <a:endParaRPr lang="en-US"/>
@@ -393,7 +984,7 @@
       </p:sp>
       <p:sp>
         <p:nvSpPr>
-          <p:cNvPr id="3" name="Vertical Text Placeholder 2"/>
+          <p:cNvPr id="1839116826" name="Vertical Text Placeholder 2"/>
           <p:cNvSpPr>
             <a:spLocks noGrp="1"/>
           </p:cNvSpPr>
@@ -401,42 +992,56 @@
             <p:ph type="body" orient="vert" idx="1"/>
           </p:nvPr>
         </p:nvSpPr>
-        <p:spPr/>
+        <p:spPr bwMode="auto"/>
         <p:txBody>
           <a:bodyPr vert="eaVert"/>
           <a:lstStyle/>
           <a:p>
-            <a:pPr lvl="0"/>
-            <a:r>
-              <a:rPr lang="en-US" smtClean="0"/>
+            <a:pPr lvl="0">
+              <a:defRPr/>
+            </a:pPr>
+            <a:r>
+              <a:rPr lang="en-US"/>
               <a:t>Click to edit Master text styles</a:t>
             </a:r>
-          </a:p>
-          <a:p>
-            <a:pPr lvl="1"/>
-            <a:r>
-              <a:rPr lang="en-US" smtClean="0"/>
+            <a:endParaRPr/>
+          </a:p>
+          <a:p>
+            <a:pPr lvl="1">
+              <a:defRPr/>
+            </a:pPr>
+            <a:r>
+              <a:rPr lang="en-US"/>
               <a:t>Second level</a:t>
             </a:r>
-          </a:p>
-          <a:p>
-            <a:pPr lvl="2"/>
-            <a:r>
-              <a:rPr lang="en-US" smtClean="0"/>
+            <a:endParaRPr/>
+          </a:p>
+          <a:p>
+            <a:pPr lvl="2">
+              <a:defRPr/>
+            </a:pPr>
+            <a:r>
+              <a:rPr lang="en-US"/>
               <a:t>Third level</a:t>
             </a:r>
-          </a:p>
-          <a:p>
-            <a:pPr lvl="3"/>
-            <a:r>
-              <a:rPr lang="en-US" smtClean="0"/>
+            <a:endParaRPr/>
+          </a:p>
+          <a:p>
+            <a:pPr lvl="3">
+              <a:defRPr/>
+            </a:pPr>
+            <a:r>
+              <a:rPr lang="en-US"/>
               <a:t>Fourth level</a:t>
             </a:r>
-          </a:p>
-          <a:p>
-            <a:pPr lvl="4"/>
-            <a:r>
-              <a:rPr lang="en-US" smtClean="0"/>
+            <a:endParaRPr/>
+          </a:p>
+          <a:p>
+            <a:pPr lvl="4">
+              <a:defRPr/>
+            </a:pPr>
+            <a:r>
+              <a:rPr lang="en-US"/>
               <a:t>Fifth level</a:t>
             </a:r>
             <a:endParaRPr lang="en-US"/>
@@ -445,7 +1050,7 @@
       </p:sp>
       <p:sp>
         <p:nvSpPr>
-          <p:cNvPr id="4" name="Date Placeholder 3"/>
+          <p:cNvPr id="1014082854" name="Date Placeholder 3"/>
           <p:cNvSpPr>
             <a:spLocks noGrp="1"/>
           </p:cNvSpPr>
@@ -453,13 +1058,16 @@
             <p:ph type="dt" sz="half" idx="10"/>
           </p:nvPr>
         </p:nvSpPr>
-        <p:spPr/>
-        <p:txBody>
-          <a:bodyPr/>
-          <a:lstStyle/>
-          <a:p>
+        <p:spPr bwMode="auto"/>
+        <p:txBody>
+          <a:bodyPr/>
+          <a:lstStyle/>
+          <a:p>
+            <a:pPr>
+              <a:defRPr/>
+            </a:pPr>
             <a:fld id="{5BCAD085-E8A6-8845-BD4E-CB4CCA059FC4}" type="datetimeFigureOut">
-              <a:rPr lang="en-US" smtClean="0"/>
+              <a:rPr lang="en-US"/>
               <a:t>1/27/13</a:t>
             </a:fld>
             <a:endParaRPr lang="en-US"/>
@@ -468,7 +1076,7 @@
       </p:sp>
       <p:sp>
         <p:nvSpPr>
-          <p:cNvPr id="5" name="Footer Placeholder 4"/>
+          <p:cNvPr id="285533790" name="Footer Placeholder 4"/>
           <p:cNvSpPr>
             <a:spLocks noGrp="1"/>
           </p:cNvSpPr>
@@ -476,18 +1084,21 @@
             <p:ph type="ftr" sz="quarter" idx="11"/>
           </p:nvPr>
         </p:nvSpPr>
-        <p:spPr/>
-        <p:txBody>
-          <a:bodyPr/>
-          <a:lstStyle/>
-          <a:p>
-            <a:endParaRPr lang="en-US"/>
-          </a:p>
-        </p:txBody>
-      </p:sp>
-      <p:sp>
-        <p:nvSpPr>
-          <p:cNvPr id="6" name="Slide Number Placeholder 5"/>
+        <p:spPr bwMode="auto"/>
+        <p:txBody>
+          <a:bodyPr/>
+          <a:lstStyle/>
+          <a:p>
+            <a:pPr>
+              <a:defRPr/>
+            </a:pPr>
+            <a:endParaRPr lang="en-US"/>
+          </a:p>
+        </p:txBody>
+      </p:sp>
+      <p:sp>
+        <p:nvSpPr>
+          <p:cNvPr id="696452870" name="Slide Number Placeholder 5"/>
           <p:cNvSpPr>
             <a:spLocks noGrp="1"/>
           </p:cNvSpPr>
@@ -495,13 +1106,16 @@
             <p:ph type="sldNum" sz="quarter" idx="12"/>
           </p:nvPr>
         </p:nvSpPr>
-        <p:spPr/>
-        <p:txBody>
-          <a:bodyPr/>
-          <a:lstStyle/>
-          <a:p>
+        <p:spPr bwMode="auto"/>
+        <p:txBody>
+          <a:bodyPr/>
+          <a:lstStyle/>
+          <a:p>
+            <a:pPr>
+              <a:defRPr/>
+            </a:pPr>
             <a:fld id="{C1FF6DA9-008F-8B48-92A6-B652298478BF}" type="slidenum">
-              <a:rPr lang="en-US" smtClean="0"/>
+              <a:rPr lang="en-US"/>
               <a:t>‹#›</a:t>
             </a:fld>
             <a:endParaRPr lang="en-US"/>
@@ -509,11 +1123,6 @@
         </p:txBody>
       </p:sp>
     </p:spTree>
-    <p:extLst>
-      <p:ext uri="{BB962C8B-B14F-4D97-AF65-F5344CB8AC3E}">
-        <p14:creationId xmlns:p14="http://schemas.microsoft.com/office/powerpoint/2010/main" val="2910927964"/>
-      </p:ext>
-    </p:extLst>
   </p:cSld>
   <p:clrMapOvr>
     <a:masterClrMapping/>
@@ -522,7 +1131,7 @@
 </file>
 
 <file path=ppt/slideLayouts/slideLayout11.xml><?xml version="1.0" encoding="utf-8"?>
-<p:sldLayout xmlns:a="http://schemas.openxmlformats.org/drawingml/2006/main" xmlns:r="http://schemas.openxmlformats.org/officeDocument/2006/relationships" xmlns:p="http://schemas.openxmlformats.org/presentationml/2006/main" type="vertTitleAndTx" preserve="1">
+<p:sldLayout xmlns:a="http://schemas.openxmlformats.org/drawingml/2006/main" xmlns:r="http://schemas.openxmlformats.org/officeDocument/2006/relationships" xmlns:p="http://schemas.openxmlformats.org/presentationml/2006/main" xmlns:m="http://schemas.openxmlformats.org/officeDocument/2006/math" xmlns:w="http://schemas.openxmlformats.org/wordprocessingml/2006/main" matchingName="" preserve="1" showMasterPhAnim="0" showMasterSp="1" type="vertTitleAndTx" userDrawn="1">
   <p:cSld name="Vertical Title and Text">
     <p:spTree>
       <p:nvGrpSpPr>
@@ -530,7 +1139,7 @@
         <p:cNvGrpSpPr/>
         <p:nvPr/>
       </p:nvGrpSpPr>
-      <p:grpSpPr>
+      <p:grpSpPr bwMode="auto">
         <a:xfrm>
           <a:off x="0" y="0"/>
           <a:ext cx="0" cy="0"/>
@@ -540,7 +1149,7 @@
       </p:grpSpPr>
       <p:sp>
         <p:nvSpPr>
-          <p:cNvPr id="2" name="Vertical Title 1"/>
+          <p:cNvPr id="368148248" name="Vertical Title 1"/>
           <p:cNvSpPr>
             <a:spLocks noGrp="1"/>
           </p:cNvSpPr>
@@ -548,7 +1157,7 @@
             <p:ph type="title" orient="vert"/>
           </p:nvPr>
         </p:nvSpPr>
-        <p:spPr>
+        <p:spPr bwMode="auto">
           <a:xfrm>
             <a:off x="6629400" y="274638"/>
             <a:ext cx="2057400" cy="5851525"/>
@@ -558,8 +1167,11 @@
           <a:bodyPr vert="eaVert"/>
           <a:lstStyle/>
           <a:p>
-            <a:r>
-              <a:rPr lang="en-US" smtClean="0"/>
+            <a:pPr>
+              <a:defRPr/>
+            </a:pPr>
+            <a:r>
+              <a:rPr lang="en-US"/>
               <a:t>Click to edit Master title style</a:t>
             </a:r>
             <a:endParaRPr lang="en-US"/>
@@ -568,7 +1180,7 @@
       </p:sp>
       <p:sp>
         <p:nvSpPr>
-          <p:cNvPr id="3" name="Vertical Text Placeholder 2"/>
+          <p:cNvPr id="1310380086" name="Vertical Text Placeholder 2"/>
           <p:cNvSpPr>
             <a:spLocks noGrp="1"/>
           </p:cNvSpPr>
@@ -576,7 +1188,7 @@
             <p:ph type="body" orient="vert" idx="1"/>
           </p:nvPr>
         </p:nvSpPr>
-        <p:spPr>
+        <p:spPr bwMode="auto">
           <a:xfrm>
             <a:off x="457200" y="274638"/>
             <a:ext cx="6019800" cy="5851525"/>
@@ -586,37 +1198,51 @@
           <a:bodyPr vert="eaVert"/>
           <a:lstStyle/>
           <a:p>
-            <a:pPr lvl="0"/>
-            <a:r>
-              <a:rPr lang="en-US" smtClean="0"/>
+            <a:pPr lvl="0">
+              <a:defRPr/>
+            </a:pPr>
+            <a:r>
+              <a:rPr lang="en-US"/>
               <a:t>Click to edit Master text styles</a:t>
             </a:r>
-          </a:p>
-          <a:p>
-            <a:pPr lvl="1"/>
-            <a:r>
-              <a:rPr lang="en-US" smtClean="0"/>
+            <a:endParaRPr/>
+          </a:p>
+          <a:p>
+            <a:pPr lvl="1">
+              <a:defRPr/>
+            </a:pPr>
+            <a:r>
+              <a:rPr lang="en-US"/>
               <a:t>Second level</a:t>
             </a:r>
-          </a:p>
-          <a:p>
-            <a:pPr lvl="2"/>
-            <a:r>
-              <a:rPr lang="en-US" smtClean="0"/>
+            <a:endParaRPr/>
+          </a:p>
+          <a:p>
+            <a:pPr lvl="2">
+              <a:defRPr/>
+            </a:pPr>
+            <a:r>
+              <a:rPr lang="en-US"/>
               <a:t>Third level</a:t>
             </a:r>
-          </a:p>
-          <a:p>
-            <a:pPr lvl="3"/>
-            <a:r>
-              <a:rPr lang="en-US" smtClean="0"/>
+            <a:endParaRPr/>
+          </a:p>
+          <a:p>
+            <a:pPr lvl="3">
+              <a:defRPr/>
+            </a:pPr>
+            <a:r>
+              <a:rPr lang="en-US"/>
               <a:t>Fourth level</a:t>
             </a:r>
-          </a:p>
-          <a:p>
-            <a:pPr lvl="4"/>
-            <a:r>
-              <a:rPr lang="en-US" smtClean="0"/>
+            <a:endParaRPr/>
+          </a:p>
+          <a:p>
+            <a:pPr lvl="4">
+              <a:defRPr/>
+            </a:pPr>
+            <a:r>
+              <a:rPr lang="en-US"/>
               <a:t>Fifth level</a:t>
             </a:r>
             <a:endParaRPr lang="en-US"/>
@@ -625,7 +1251,7 @@
       </p:sp>
       <p:sp>
         <p:nvSpPr>
-          <p:cNvPr id="4" name="Date Placeholder 3"/>
+          <p:cNvPr id="486533455" name="Date Placeholder 3"/>
           <p:cNvSpPr>
             <a:spLocks noGrp="1"/>
           </p:cNvSpPr>
@@ -633,13 +1259,16 @@
             <p:ph type="dt" sz="half" idx="10"/>
           </p:nvPr>
         </p:nvSpPr>
-        <p:spPr/>
-        <p:txBody>
-          <a:bodyPr/>
-          <a:lstStyle/>
-          <a:p>
+        <p:spPr bwMode="auto"/>
+        <p:txBody>
+          <a:bodyPr/>
+          <a:lstStyle/>
+          <a:p>
+            <a:pPr>
+              <a:defRPr/>
+            </a:pPr>
             <a:fld id="{5BCAD085-E8A6-8845-BD4E-CB4CCA059FC4}" type="datetimeFigureOut">
-              <a:rPr lang="en-US" smtClean="0"/>
+              <a:rPr lang="en-US"/>
               <a:t>1/27/13</a:t>
             </a:fld>
             <a:endParaRPr lang="en-US"/>
@@ -648,7 +1277,7 @@
       </p:sp>
       <p:sp>
         <p:nvSpPr>
-          <p:cNvPr id="5" name="Footer Placeholder 4"/>
+          <p:cNvPr id="2003462507" name="Footer Placeholder 4"/>
           <p:cNvSpPr>
             <a:spLocks noGrp="1"/>
           </p:cNvSpPr>
@@ -656,18 +1285,21 @@
             <p:ph type="ftr" sz="quarter" idx="11"/>
           </p:nvPr>
         </p:nvSpPr>
-        <p:spPr/>
-        <p:txBody>
-          <a:bodyPr/>
-          <a:lstStyle/>
-          <a:p>
-            <a:endParaRPr lang="en-US"/>
-          </a:p>
-        </p:txBody>
-      </p:sp>
-      <p:sp>
-        <p:nvSpPr>
-          <p:cNvPr id="6" name="Slide Number Placeholder 5"/>
+        <p:spPr bwMode="auto"/>
+        <p:txBody>
+          <a:bodyPr/>
+          <a:lstStyle/>
+          <a:p>
+            <a:pPr>
+              <a:defRPr/>
+            </a:pPr>
+            <a:endParaRPr lang="en-US"/>
+          </a:p>
+        </p:txBody>
+      </p:sp>
+      <p:sp>
+        <p:nvSpPr>
+          <p:cNvPr id="124247071" name="Slide Number Placeholder 5"/>
           <p:cNvSpPr>
             <a:spLocks noGrp="1"/>
           </p:cNvSpPr>
@@ -675,13 +1307,16 @@
             <p:ph type="sldNum" sz="quarter" idx="12"/>
           </p:nvPr>
         </p:nvSpPr>
-        <p:spPr/>
-        <p:txBody>
-          <a:bodyPr/>
-          <a:lstStyle/>
-          <a:p>
+        <p:spPr bwMode="auto"/>
+        <p:txBody>
+          <a:bodyPr/>
+          <a:lstStyle/>
+          <a:p>
+            <a:pPr>
+              <a:defRPr/>
+            </a:pPr>
             <a:fld id="{C1FF6DA9-008F-8B48-92A6-B652298478BF}" type="slidenum">
-              <a:rPr lang="en-US" smtClean="0"/>
+              <a:rPr lang="en-US"/>
               <a:t>‹#›</a:t>
             </a:fld>
             <a:endParaRPr lang="en-US"/>
@@ -689,11 +1324,6 @@
         </p:txBody>
       </p:sp>
     </p:spTree>
-    <p:extLst>
-      <p:ext uri="{BB962C8B-B14F-4D97-AF65-F5344CB8AC3E}">
-        <p14:creationId xmlns:p14="http://schemas.microsoft.com/office/powerpoint/2010/main" val="3612223792"/>
-      </p:ext>
-    </p:extLst>
   </p:cSld>
   <p:clrMapOvr>
     <a:masterClrMapping/>
@@ -702,7 +1332,7 @@
 </file>
 
 <file path=ppt/slideLayouts/slideLayout2.xml><?xml version="1.0" encoding="utf-8"?>
-<p:sldLayout xmlns:a="http://schemas.openxmlformats.org/drawingml/2006/main" xmlns:r="http://schemas.openxmlformats.org/officeDocument/2006/relationships" xmlns:p="http://schemas.openxmlformats.org/presentationml/2006/main" type="obj" preserve="1">
+<p:sldLayout xmlns:a="http://schemas.openxmlformats.org/drawingml/2006/main" xmlns:r="http://schemas.openxmlformats.org/officeDocument/2006/relationships" xmlns:p="http://schemas.openxmlformats.org/presentationml/2006/main" xmlns:m="http://schemas.openxmlformats.org/officeDocument/2006/math" xmlns:w="http://schemas.openxmlformats.org/wordprocessingml/2006/main" matchingName="" preserve="1" showMasterPhAnim="0" showMasterSp="1" type="obj" userDrawn="1">
   <p:cSld name="Title and Content">
     <p:spTree>
       <p:nvGrpSpPr>
@@ -710,7 +1340,7 @@
         <p:cNvGrpSpPr/>
         <p:nvPr/>
       </p:nvGrpSpPr>
-      <p:grpSpPr>
+      <p:grpSpPr bwMode="auto">
         <a:xfrm>
           <a:off x="0" y="0"/>
           <a:ext cx="0" cy="0"/>
@@ -720,7 +1350,7 @@
       </p:grpSpPr>
       <p:sp>
         <p:nvSpPr>
-          <p:cNvPr id="2" name="Title 1"/>
+          <p:cNvPr id="2109224391" name="Title 1"/>
           <p:cNvSpPr>
             <a:spLocks noGrp="1"/>
           </p:cNvSpPr>
@@ -728,13 +1358,16 @@
             <p:ph type="title"/>
           </p:nvPr>
         </p:nvSpPr>
-        <p:spPr/>
-        <p:txBody>
-          <a:bodyPr/>
-          <a:lstStyle/>
-          <a:p>
-            <a:r>
-              <a:rPr lang="en-US" smtClean="0"/>
+        <p:spPr bwMode="auto"/>
+        <p:txBody>
+          <a:bodyPr/>
+          <a:lstStyle/>
+          <a:p>
+            <a:pPr>
+              <a:defRPr/>
+            </a:pPr>
+            <a:r>
+              <a:rPr lang="en-US"/>
               <a:t>Click to edit Master title style</a:t>
             </a:r>
             <a:endParaRPr lang="en-US"/>
@@ -743,7 +1376,7 @@
       </p:sp>
       <p:sp>
         <p:nvSpPr>
-          <p:cNvPr id="3" name="Content Placeholder 2"/>
+          <p:cNvPr id="1574535104" name="Content Placeholder 2"/>
           <p:cNvSpPr>
             <a:spLocks noGrp="1"/>
           </p:cNvSpPr>
@@ -751,42 +1384,56 @@
             <p:ph idx="1"/>
           </p:nvPr>
         </p:nvSpPr>
-        <p:spPr/>
-        <p:txBody>
-          <a:bodyPr/>
-          <a:lstStyle/>
-          <a:p>
-            <a:pPr lvl="0"/>
-            <a:r>
-              <a:rPr lang="en-US" smtClean="0"/>
+        <p:spPr bwMode="auto"/>
+        <p:txBody>
+          <a:bodyPr/>
+          <a:lstStyle/>
+          <a:p>
+            <a:pPr lvl="0">
+              <a:defRPr/>
+            </a:pPr>
+            <a:r>
+              <a:rPr lang="en-US"/>
               <a:t>Click to edit Master text styles</a:t>
             </a:r>
-          </a:p>
-          <a:p>
-            <a:pPr lvl="1"/>
-            <a:r>
-              <a:rPr lang="en-US" smtClean="0"/>
+            <a:endParaRPr/>
+          </a:p>
+          <a:p>
+            <a:pPr lvl="1">
+              <a:defRPr/>
+            </a:pPr>
+            <a:r>
+              <a:rPr lang="en-US"/>
               <a:t>Second level</a:t>
             </a:r>
-          </a:p>
-          <a:p>
-            <a:pPr lvl="2"/>
-            <a:r>
-              <a:rPr lang="en-US" smtClean="0"/>
+            <a:endParaRPr/>
+          </a:p>
+          <a:p>
+            <a:pPr lvl="2">
+              <a:defRPr/>
+            </a:pPr>
+            <a:r>
+              <a:rPr lang="en-US"/>
               <a:t>Third level</a:t>
             </a:r>
-          </a:p>
-          <a:p>
-            <a:pPr lvl="3"/>
-            <a:r>
-              <a:rPr lang="en-US" smtClean="0"/>
+            <a:endParaRPr/>
+          </a:p>
+          <a:p>
+            <a:pPr lvl="3">
+              <a:defRPr/>
+            </a:pPr>
+            <a:r>
+              <a:rPr lang="en-US"/>
               <a:t>Fourth level</a:t>
             </a:r>
-          </a:p>
-          <a:p>
-            <a:pPr lvl="4"/>
-            <a:r>
-              <a:rPr lang="en-US" smtClean="0"/>
+            <a:endParaRPr/>
+          </a:p>
+          <a:p>
+            <a:pPr lvl="4">
+              <a:defRPr/>
+            </a:pPr>
+            <a:r>
+              <a:rPr lang="en-US"/>
               <a:t>Fifth level</a:t>
             </a:r>
             <a:endParaRPr lang="en-US"/>
@@ -795,7 +1442,7 @@
       </p:sp>
       <p:sp>
         <p:nvSpPr>
-          <p:cNvPr id="4" name="Date Placeholder 3"/>
+          <p:cNvPr id="1977204824" name="Date Placeholder 3"/>
           <p:cNvSpPr>
             <a:spLocks noGrp="1"/>
           </p:cNvSpPr>
@@ -803,13 +1450,16 @@
             <p:ph type="dt" sz="half" idx="10"/>
           </p:nvPr>
         </p:nvSpPr>
-        <p:spPr/>
-        <p:txBody>
-          <a:bodyPr/>
-          <a:lstStyle/>
-          <a:p>
+        <p:spPr bwMode="auto"/>
+        <p:txBody>
+          <a:bodyPr/>
+          <a:lstStyle/>
+          <a:p>
+            <a:pPr>
+              <a:defRPr/>
+            </a:pPr>
             <a:fld id="{5BCAD085-E8A6-8845-BD4E-CB4CCA059FC4}" type="datetimeFigureOut">
-              <a:rPr lang="en-US" smtClean="0"/>
+              <a:rPr lang="en-US"/>
               <a:t>1/27/13</a:t>
             </a:fld>
             <a:endParaRPr lang="en-US"/>
@@ -818,7 +1468,7 @@
       </p:sp>
       <p:sp>
         <p:nvSpPr>
-          <p:cNvPr id="5" name="Footer Placeholder 4"/>
+          <p:cNvPr id="171493778" name="Footer Placeholder 4"/>
           <p:cNvSpPr>
             <a:spLocks noGrp="1"/>
           </p:cNvSpPr>
@@ -826,18 +1476,21 @@
             <p:ph type="ftr" sz="quarter" idx="11"/>
           </p:nvPr>
         </p:nvSpPr>
-        <p:spPr/>
-        <p:txBody>
-          <a:bodyPr/>
-          <a:lstStyle/>
-          <a:p>
-            <a:endParaRPr lang="en-US"/>
-          </a:p>
-        </p:txBody>
-      </p:sp>
-      <p:sp>
-        <p:nvSpPr>
-          <p:cNvPr id="6" name="Slide Number Placeholder 5"/>
+        <p:spPr bwMode="auto"/>
+        <p:txBody>
+          <a:bodyPr/>
+          <a:lstStyle/>
+          <a:p>
+            <a:pPr>
+              <a:defRPr/>
+            </a:pPr>
+            <a:endParaRPr lang="en-US"/>
+          </a:p>
+        </p:txBody>
+      </p:sp>
+      <p:sp>
+        <p:nvSpPr>
+          <p:cNvPr id="817603294" name="Slide Number Placeholder 5"/>
           <p:cNvSpPr>
             <a:spLocks noGrp="1"/>
           </p:cNvSpPr>
@@ -845,13 +1498,16 @@
             <p:ph type="sldNum" sz="quarter" idx="12"/>
           </p:nvPr>
         </p:nvSpPr>
-        <p:spPr/>
-        <p:txBody>
-          <a:bodyPr/>
-          <a:lstStyle/>
-          <a:p>
+        <p:spPr bwMode="auto"/>
+        <p:txBody>
+          <a:bodyPr/>
+          <a:lstStyle/>
+          <a:p>
+            <a:pPr>
+              <a:defRPr/>
+            </a:pPr>
             <a:fld id="{C1FF6DA9-008F-8B48-92A6-B652298478BF}" type="slidenum">
-              <a:rPr lang="en-US" smtClean="0"/>
+              <a:rPr lang="en-US"/>
               <a:t>‹#›</a:t>
             </a:fld>
             <a:endParaRPr lang="en-US"/>
@@ -859,11 +1515,6 @@
         </p:txBody>
       </p:sp>
     </p:spTree>
-    <p:extLst>
-      <p:ext uri="{BB962C8B-B14F-4D97-AF65-F5344CB8AC3E}">
-        <p14:creationId xmlns:p14="http://schemas.microsoft.com/office/powerpoint/2010/main" val="2614314258"/>
-      </p:ext>
-    </p:extLst>
   </p:cSld>
   <p:clrMapOvr>
     <a:masterClrMapping/>
@@ -872,7 +1523,7 @@
 </file>
 
 <file path=ppt/slideLayouts/slideLayout3.xml><?xml version="1.0" encoding="utf-8"?>
-<p:sldLayout xmlns:a="http://schemas.openxmlformats.org/drawingml/2006/main" xmlns:r="http://schemas.openxmlformats.org/officeDocument/2006/relationships" xmlns:p="http://schemas.openxmlformats.org/presentationml/2006/main" type="secHead" preserve="1">
+<p:sldLayout xmlns:a="http://schemas.openxmlformats.org/drawingml/2006/main" xmlns:r="http://schemas.openxmlformats.org/officeDocument/2006/relationships" xmlns:p="http://schemas.openxmlformats.org/presentationml/2006/main" xmlns:m="http://schemas.openxmlformats.org/officeDocument/2006/math" xmlns:w="http://schemas.openxmlformats.org/wordprocessingml/2006/main" matchingName="" preserve="1" showMasterPhAnim="0" showMasterSp="1" type="secHead" userDrawn="1">
   <p:cSld name="Section Header">
     <p:spTree>
       <p:nvGrpSpPr>
@@ -880,7 +1531,7 @@
         <p:cNvGrpSpPr/>
         <p:nvPr/>
       </p:nvGrpSpPr>
-      <p:grpSpPr>
+      <p:grpSpPr bwMode="auto">
         <a:xfrm>
           <a:off x="0" y="0"/>
           <a:ext cx="0" cy="0"/>
@@ -890,7 +1541,7 @@
       </p:grpSpPr>
       <p:sp>
         <p:nvSpPr>
-          <p:cNvPr id="2" name="Title 1"/>
+          <p:cNvPr id="503868706" name="Title 1"/>
           <p:cNvSpPr>
             <a:spLocks noGrp="1"/>
           </p:cNvSpPr>
@@ -898,7 +1549,7 @@
             <p:ph type="title"/>
           </p:nvPr>
         </p:nvSpPr>
-        <p:spPr>
+        <p:spPr bwMode="auto">
           <a:xfrm>
             <a:off x="722313" y="4406900"/>
             <a:ext cx="7772400" cy="1362075"/>
@@ -912,8 +1563,11 @@
             </a:lvl1pPr>
           </a:lstStyle>
           <a:p>
-            <a:r>
-              <a:rPr lang="en-US" smtClean="0"/>
+            <a:pPr>
+              <a:defRPr/>
+            </a:pPr>
+            <a:r>
+              <a:rPr lang="en-US"/>
               <a:t>Click to edit Master title style</a:t>
             </a:r>
             <a:endParaRPr lang="en-US"/>
@@ -922,7 +1576,7 @@
       </p:sp>
       <p:sp>
         <p:nvSpPr>
-          <p:cNvPr id="3" name="Text Placeholder 2"/>
+          <p:cNvPr id="172614278" name="Text Placeholder 2"/>
           <p:cNvSpPr>
             <a:spLocks noGrp="1"/>
           </p:cNvSpPr>
@@ -930,7 +1584,7 @@
             <p:ph type="body" idx="1"/>
           </p:nvPr>
         </p:nvSpPr>
-        <p:spPr>
+        <p:spPr bwMode="auto">
           <a:xfrm>
             <a:off x="722313" y="2906713"/>
             <a:ext cx="7772400" cy="1500187"/>
@@ -1031,17 +1685,20 @@
             </a:lvl9pPr>
           </a:lstStyle>
           <a:p>
-            <a:pPr lvl="0"/>
-            <a:r>
-              <a:rPr lang="en-US" smtClean="0"/>
+            <a:pPr lvl="0">
+              <a:defRPr/>
+            </a:pPr>
+            <a:r>
+              <a:rPr lang="en-US"/>
               <a:t>Click to edit Master text styles</a:t>
             </a:r>
-          </a:p>
-        </p:txBody>
-      </p:sp>
-      <p:sp>
-        <p:nvSpPr>
-          <p:cNvPr id="4" name="Date Placeholder 3"/>
+            <a:endParaRPr/>
+          </a:p>
+        </p:txBody>
+      </p:sp>
+      <p:sp>
+        <p:nvSpPr>
+          <p:cNvPr id="756047803" name="Date Placeholder 3"/>
           <p:cNvSpPr>
             <a:spLocks noGrp="1"/>
           </p:cNvSpPr>
@@ -1049,13 +1706,16 @@
             <p:ph type="dt" sz="half" idx="10"/>
           </p:nvPr>
         </p:nvSpPr>
-        <p:spPr/>
-        <p:txBody>
-          <a:bodyPr/>
-          <a:lstStyle/>
-          <a:p>
+        <p:spPr bwMode="auto"/>
+        <p:txBody>
+          <a:bodyPr/>
+          <a:lstStyle/>
+          <a:p>
+            <a:pPr>
+              <a:defRPr/>
+            </a:pPr>
             <a:fld id="{5BCAD085-E8A6-8845-BD4E-CB4CCA059FC4}" type="datetimeFigureOut">
-              <a:rPr lang="en-US" smtClean="0"/>
+              <a:rPr lang="en-US"/>
               <a:t>1/27/13</a:t>
             </a:fld>
             <a:endParaRPr lang="en-US"/>
@@ -1064,7 +1724,7 @@
       </p:sp>
       <p:sp>
         <p:nvSpPr>
-          <p:cNvPr id="5" name="Footer Placeholder 4"/>
+          <p:cNvPr id="897009319" name="Footer Placeholder 4"/>
           <p:cNvSpPr>
             <a:spLocks noGrp="1"/>
           </p:cNvSpPr>
@@ -1072,18 +1732,21 @@
             <p:ph type="ftr" sz="quarter" idx="11"/>
           </p:nvPr>
         </p:nvSpPr>
-        <p:spPr/>
-        <p:txBody>
-          <a:bodyPr/>
-          <a:lstStyle/>
-          <a:p>
-            <a:endParaRPr lang="en-US"/>
-          </a:p>
-        </p:txBody>
-      </p:sp>
-      <p:sp>
-        <p:nvSpPr>
-          <p:cNvPr id="6" name="Slide Number Placeholder 5"/>
+        <p:spPr bwMode="auto"/>
+        <p:txBody>
+          <a:bodyPr/>
+          <a:lstStyle/>
+          <a:p>
+            <a:pPr>
+              <a:defRPr/>
+            </a:pPr>
+            <a:endParaRPr lang="en-US"/>
+          </a:p>
+        </p:txBody>
+      </p:sp>
+      <p:sp>
+        <p:nvSpPr>
+          <p:cNvPr id="1642682810" name="Slide Number Placeholder 5"/>
           <p:cNvSpPr>
             <a:spLocks noGrp="1"/>
           </p:cNvSpPr>
@@ -1091,13 +1754,16 @@
             <p:ph type="sldNum" sz="quarter" idx="12"/>
           </p:nvPr>
         </p:nvSpPr>
-        <p:spPr/>
-        <p:txBody>
-          <a:bodyPr/>
-          <a:lstStyle/>
-          <a:p>
+        <p:spPr bwMode="auto"/>
+        <p:txBody>
+          <a:bodyPr/>
+          <a:lstStyle/>
+          <a:p>
+            <a:pPr>
+              <a:defRPr/>
+            </a:pPr>
             <a:fld id="{C1FF6DA9-008F-8B48-92A6-B652298478BF}" type="slidenum">
-              <a:rPr lang="en-US" smtClean="0"/>
+              <a:rPr lang="en-US"/>
               <a:t>‹#›</a:t>
             </a:fld>
             <a:endParaRPr lang="en-US"/>
@@ -1105,11 +1771,6 @@
         </p:txBody>
       </p:sp>
     </p:spTree>
-    <p:extLst>
-      <p:ext uri="{BB962C8B-B14F-4D97-AF65-F5344CB8AC3E}">
-        <p14:creationId xmlns:p14="http://schemas.microsoft.com/office/powerpoint/2010/main" val="960648375"/>
-      </p:ext>
-    </p:extLst>
   </p:cSld>
   <p:clrMapOvr>
     <a:masterClrMapping/>
@@ -1118,7 +1779,7 @@
 </file>
 
 <file path=ppt/slideLayouts/slideLayout4.xml><?xml version="1.0" encoding="utf-8"?>
-<p:sldLayout xmlns:a="http://schemas.openxmlformats.org/drawingml/2006/main" xmlns:r="http://schemas.openxmlformats.org/officeDocument/2006/relationships" xmlns:p="http://schemas.openxmlformats.org/presentationml/2006/main" type="twoObj" preserve="1">
+<p:sldLayout xmlns:a="http://schemas.openxmlformats.org/drawingml/2006/main" xmlns:r="http://schemas.openxmlformats.org/officeDocument/2006/relationships" xmlns:p="http://schemas.openxmlformats.org/presentationml/2006/main" xmlns:m="http://schemas.openxmlformats.org/officeDocument/2006/math" xmlns:w="http://schemas.openxmlformats.org/wordprocessingml/2006/main" matchingName="" preserve="1" showMasterPhAnim="0" showMasterSp="1" type="twoObj" userDrawn="1">
   <p:cSld name="Two Content">
     <p:spTree>
       <p:nvGrpSpPr>
@@ -1126,7 +1787,7 @@
         <p:cNvGrpSpPr/>
         <p:nvPr/>
       </p:nvGrpSpPr>
-      <p:grpSpPr>
+      <p:grpSpPr bwMode="auto">
         <a:xfrm>
           <a:off x="0" y="0"/>
           <a:ext cx="0" cy="0"/>
@@ -1136,7 +1797,7 @@
       </p:grpSpPr>
       <p:sp>
         <p:nvSpPr>
-          <p:cNvPr id="2" name="Title 1"/>
+          <p:cNvPr id="641409705" name="Title 1"/>
           <p:cNvSpPr>
             <a:spLocks noGrp="1"/>
           </p:cNvSpPr>
@@ -1144,13 +1805,16 @@
             <p:ph type="title"/>
           </p:nvPr>
         </p:nvSpPr>
-        <p:spPr/>
-        <p:txBody>
-          <a:bodyPr/>
-          <a:lstStyle/>
-          <a:p>
-            <a:r>
-              <a:rPr lang="en-US" smtClean="0"/>
+        <p:spPr bwMode="auto"/>
+        <p:txBody>
+          <a:bodyPr/>
+          <a:lstStyle/>
+          <a:p>
+            <a:pPr>
+              <a:defRPr/>
+            </a:pPr>
+            <a:r>
+              <a:rPr lang="en-US"/>
               <a:t>Click to edit Master title style</a:t>
             </a:r>
             <a:endParaRPr lang="en-US"/>
@@ -1159,7 +1823,7 @@
       </p:sp>
       <p:sp>
         <p:nvSpPr>
-          <p:cNvPr id="3" name="Content Placeholder 2"/>
+          <p:cNvPr id="411318628" name="Content Placeholder 2"/>
           <p:cNvSpPr>
             <a:spLocks noGrp="1"/>
           </p:cNvSpPr>
@@ -1167,7 +1831,7 @@
             <p:ph sz="half" idx="1"/>
           </p:nvPr>
         </p:nvSpPr>
-        <p:spPr>
+        <p:spPr bwMode="auto">
           <a:xfrm>
             <a:off x="457200" y="1600200"/>
             <a:ext cx="4038600" cy="4525963"/>
@@ -1205,37 +1869,51 @@
             </a:lvl9pPr>
           </a:lstStyle>
           <a:p>
-            <a:pPr lvl="0"/>
-            <a:r>
-              <a:rPr lang="en-US" smtClean="0"/>
+            <a:pPr lvl="0">
+              <a:defRPr/>
+            </a:pPr>
+            <a:r>
+              <a:rPr lang="en-US"/>
               <a:t>Click to edit Master text styles</a:t>
             </a:r>
-          </a:p>
-          <a:p>
-            <a:pPr lvl="1"/>
-            <a:r>
-              <a:rPr lang="en-US" smtClean="0"/>
+            <a:endParaRPr/>
+          </a:p>
+          <a:p>
+            <a:pPr lvl="1">
+              <a:defRPr/>
+            </a:pPr>
+            <a:r>
+              <a:rPr lang="en-US"/>
               <a:t>Second level</a:t>
             </a:r>
-          </a:p>
-          <a:p>
-            <a:pPr lvl="2"/>
-            <a:r>
-              <a:rPr lang="en-US" smtClean="0"/>
+            <a:endParaRPr/>
+          </a:p>
+          <a:p>
+            <a:pPr lvl="2">
+              <a:defRPr/>
+            </a:pPr>
+            <a:r>
+              <a:rPr lang="en-US"/>
               <a:t>Third level</a:t>
             </a:r>
-          </a:p>
-          <a:p>
-            <a:pPr lvl="3"/>
-            <a:r>
-              <a:rPr lang="en-US" smtClean="0"/>
+            <a:endParaRPr/>
+          </a:p>
+          <a:p>
+            <a:pPr lvl="3">
+              <a:defRPr/>
+            </a:pPr>
+            <a:r>
+              <a:rPr lang="en-US"/>
               <a:t>Fourth level</a:t>
             </a:r>
-          </a:p>
-          <a:p>
-            <a:pPr lvl="4"/>
-            <a:r>
-              <a:rPr lang="en-US" smtClean="0"/>
+            <a:endParaRPr/>
+          </a:p>
+          <a:p>
+            <a:pPr lvl="4">
+              <a:defRPr/>
+            </a:pPr>
+            <a:r>
+              <a:rPr lang="en-US"/>
               <a:t>Fifth level</a:t>
             </a:r>
             <a:endParaRPr lang="en-US"/>
@@ -1244,7 +1922,7 @@
       </p:sp>
       <p:sp>
         <p:nvSpPr>
-          <p:cNvPr id="4" name="Content Placeholder 3"/>
+          <p:cNvPr id="925448617" name="Content Placeholder 3"/>
           <p:cNvSpPr>
             <a:spLocks noGrp="1"/>
           </p:cNvSpPr>
@@ -1252,7 +1930,7 @@
             <p:ph sz="half" idx="2"/>
           </p:nvPr>
         </p:nvSpPr>
-        <p:spPr>
+        <p:spPr bwMode="auto">
           <a:xfrm>
             <a:off x="4648200" y="1600200"/>
             <a:ext cx="4038600" cy="4525963"/>
@@ -1290,37 +1968,51 @@
             </a:lvl9pPr>
           </a:lstStyle>
           <a:p>
-            <a:pPr lvl="0"/>
-            <a:r>
-              <a:rPr lang="en-US" smtClean="0"/>
+            <a:pPr lvl="0">
+              <a:defRPr/>
+            </a:pPr>
+            <a:r>
+              <a:rPr lang="en-US"/>
               <a:t>Click to edit Master text styles</a:t>
             </a:r>
-          </a:p>
-          <a:p>
-            <a:pPr lvl="1"/>
-            <a:r>
-              <a:rPr lang="en-US" smtClean="0"/>
+            <a:endParaRPr/>
+          </a:p>
+          <a:p>
+            <a:pPr lvl="1">
+              <a:defRPr/>
+            </a:pPr>
+            <a:r>
+              <a:rPr lang="en-US"/>
               <a:t>Second level</a:t>
             </a:r>
-          </a:p>
-          <a:p>
-            <a:pPr lvl="2"/>
-            <a:r>
-              <a:rPr lang="en-US" smtClean="0"/>
+            <a:endParaRPr/>
+          </a:p>
+          <a:p>
+            <a:pPr lvl="2">
+              <a:defRPr/>
+            </a:pPr>
+            <a:r>
+              <a:rPr lang="en-US"/>
               <a:t>Third level</a:t>
             </a:r>
-          </a:p>
-          <a:p>
-            <a:pPr lvl="3"/>
-            <a:r>
-              <a:rPr lang="en-US" smtClean="0"/>
+            <a:endParaRPr/>
+          </a:p>
+          <a:p>
+            <a:pPr lvl="3">
+              <a:defRPr/>
+            </a:pPr>
+            <a:r>
+              <a:rPr lang="en-US"/>
               <a:t>Fourth level</a:t>
             </a:r>
-          </a:p>
-          <a:p>
-            <a:pPr lvl="4"/>
-            <a:r>
-              <a:rPr lang="en-US" smtClean="0"/>
+            <a:endParaRPr/>
+          </a:p>
+          <a:p>
+            <a:pPr lvl="4">
+              <a:defRPr/>
+            </a:pPr>
+            <a:r>
+              <a:rPr lang="en-US"/>
               <a:t>Fifth level</a:t>
             </a:r>
             <a:endParaRPr lang="en-US"/>
@@ -1329,7 +2021,7 @@
       </p:sp>
       <p:sp>
         <p:nvSpPr>
-          <p:cNvPr id="5" name="Date Placeholder 4"/>
+          <p:cNvPr id="656639198" name="Date Placeholder 4"/>
           <p:cNvSpPr>
             <a:spLocks noGrp="1"/>
           </p:cNvSpPr>
@@ -1337,13 +2029,16 @@
             <p:ph type="dt" sz="half" idx="10"/>
           </p:nvPr>
         </p:nvSpPr>
-        <p:spPr/>
-        <p:txBody>
-          <a:bodyPr/>
-          <a:lstStyle/>
-          <a:p>
+        <p:spPr bwMode="auto"/>
+        <p:txBody>
+          <a:bodyPr/>
+          <a:lstStyle/>
+          <a:p>
+            <a:pPr>
+              <a:defRPr/>
+            </a:pPr>
             <a:fld id="{5BCAD085-E8A6-8845-BD4E-CB4CCA059FC4}" type="datetimeFigureOut">
-              <a:rPr lang="en-US" smtClean="0"/>
+              <a:rPr lang="en-US"/>
               <a:t>1/27/13</a:t>
             </a:fld>
             <a:endParaRPr lang="en-US"/>
@@ -1352,7 +2047,7 @@
       </p:sp>
       <p:sp>
         <p:nvSpPr>
-          <p:cNvPr id="6" name="Footer Placeholder 5"/>
+          <p:cNvPr id="2008516708" name="Footer Placeholder 5"/>
           <p:cNvSpPr>
             <a:spLocks noGrp="1"/>
           </p:cNvSpPr>
@@ -1360,18 +2055,21 @@
             <p:ph type="ftr" sz="quarter" idx="11"/>
           </p:nvPr>
         </p:nvSpPr>
-        <p:spPr/>
-        <p:txBody>
-          <a:bodyPr/>
-          <a:lstStyle/>
-          <a:p>
-            <a:endParaRPr lang="en-US"/>
-          </a:p>
-        </p:txBody>
-      </p:sp>
-      <p:sp>
-        <p:nvSpPr>
-          <p:cNvPr id="7" name="Slide Number Placeholder 6"/>
+        <p:spPr bwMode="auto"/>
+        <p:txBody>
+          <a:bodyPr/>
+          <a:lstStyle/>
+          <a:p>
+            <a:pPr>
+              <a:defRPr/>
+            </a:pPr>
+            <a:endParaRPr lang="en-US"/>
+          </a:p>
+        </p:txBody>
+      </p:sp>
+      <p:sp>
+        <p:nvSpPr>
+          <p:cNvPr id="1575805865" name="Slide Number Placeholder 6"/>
           <p:cNvSpPr>
             <a:spLocks noGrp="1"/>
           </p:cNvSpPr>
@@ -1379,13 +2077,16 @@
             <p:ph type="sldNum" sz="quarter" idx="12"/>
           </p:nvPr>
         </p:nvSpPr>
-        <p:spPr/>
-        <p:txBody>
-          <a:bodyPr/>
-          <a:lstStyle/>
-          <a:p>
+        <p:spPr bwMode="auto"/>
+        <p:txBody>
+          <a:bodyPr/>
+          <a:lstStyle/>
+          <a:p>
+            <a:pPr>
+              <a:defRPr/>
+            </a:pPr>
             <a:fld id="{C1FF6DA9-008F-8B48-92A6-B652298478BF}" type="slidenum">
-              <a:rPr lang="en-US" smtClean="0"/>
+              <a:rPr lang="en-US"/>
               <a:t>‹#›</a:t>
             </a:fld>
             <a:endParaRPr lang="en-US"/>
@@ -1393,11 +2094,6 @@
         </p:txBody>
       </p:sp>
     </p:spTree>
-    <p:extLst>
-      <p:ext uri="{BB962C8B-B14F-4D97-AF65-F5344CB8AC3E}">
-        <p14:creationId xmlns:p14="http://schemas.microsoft.com/office/powerpoint/2010/main" val="2782244947"/>
-      </p:ext>
-    </p:extLst>
   </p:cSld>
   <p:clrMapOvr>
     <a:masterClrMapping/>
@@ -1406,7 +2102,7 @@
 </file>
 
 <file path=ppt/slideLayouts/slideLayout5.xml><?xml version="1.0" encoding="utf-8"?>
-<p:sldLayout xmlns:a="http://schemas.openxmlformats.org/drawingml/2006/main" xmlns:r="http://schemas.openxmlformats.org/officeDocument/2006/relationships" xmlns:p="http://schemas.openxmlformats.org/presentationml/2006/main" type="twoTxTwoObj" preserve="1">
+<p:sldLayout xmlns:a="http://schemas.openxmlformats.org/drawingml/2006/main" xmlns:r="http://schemas.openxmlformats.org/officeDocument/2006/relationships" xmlns:p="http://schemas.openxmlformats.org/presentationml/2006/main" xmlns:m="http://schemas.openxmlformats.org/officeDocument/2006/math" xmlns:w="http://schemas.openxmlformats.org/wordprocessingml/2006/main" matchingName="" preserve="1" showMasterPhAnim="0" showMasterSp="1" type="twoTxTwoObj" userDrawn="1">
   <p:cSld name="Comparison">
     <p:spTree>
       <p:nvGrpSpPr>
@@ -1414,7 +2110,7 @@
         <p:cNvGrpSpPr/>
         <p:nvPr/>
       </p:nvGrpSpPr>
-      <p:grpSpPr>
+      <p:grpSpPr bwMode="auto">
         <a:xfrm>
           <a:off x="0" y="0"/>
           <a:ext cx="0" cy="0"/>
@@ -1424,7 +2120,7 @@
       </p:grpSpPr>
       <p:sp>
         <p:nvSpPr>
-          <p:cNvPr id="2" name="Title 1"/>
+          <p:cNvPr id="776141701" name="Title 1"/>
           <p:cNvSpPr>
             <a:spLocks noGrp="1"/>
           </p:cNvSpPr>
@@ -1432,7 +2128,7 @@
             <p:ph type="title"/>
           </p:nvPr>
         </p:nvSpPr>
-        <p:spPr/>
+        <p:spPr bwMode="auto"/>
         <p:txBody>
           <a:bodyPr/>
           <a:lstStyle>
@@ -1441,8 +2137,11 @@
             </a:lvl1pPr>
           </a:lstStyle>
           <a:p>
-            <a:r>
-              <a:rPr lang="en-US" smtClean="0"/>
+            <a:pPr>
+              <a:defRPr/>
+            </a:pPr>
+            <a:r>
+              <a:rPr lang="en-US"/>
               <a:t>Click to edit Master title style</a:t>
             </a:r>
             <a:endParaRPr lang="en-US"/>
@@ -1451,7 +2150,7 @@
       </p:sp>
       <p:sp>
         <p:nvSpPr>
-          <p:cNvPr id="3" name="Text Placeholder 2"/>
+          <p:cNvPr id="2013981021" name="Text Placeholder 2"/>
           <p:cNvSpPr>
             <a:spLocks noGrp="1"/>
           </p:cNvSpPr>
@@ -1459,7 +2158,7 @@
             <p:ph type="body" idx="1"/>
           </p:nvPr>
         </p:nvSpPr>
-        <p:spPr>
+        <p:spPr bwMode="auto">
           <a:xfrm>
             <a:off x="457200" y="1535113"/>
             <a:ext cx="4040188" cy="639762"/>
@@ -1506,17 +2205,20 @@
             </a:lvl9pPr>
           </a:lstStyle>
           <a:p>
-            <a:pPr lvl="0"/>
-            <a:r>
-              <a:rPr lang="en-US" smtClean="0"/>
+            <a:pPr lvl="0">
+              <a:defRPr/>
+            </a:pPr>
+            <a:r>
+              <a:rPr lang="en-US"/>
               <a:t>Click to edit Master text styles</a:t>
             </a:r>
-          </a:p>
-        </p:txBody>
-      </p:sp>
-      <p:sp>
-        <p:nvSpPr>
-          <p:cNvPr id="4" name="Content Placeholder 3"/>
+            <a:endParaRPr/>
+          </a:p>
+        </p:txBody>
+      </p:sp>
+      <p:sp>
+        <p:nvSpPr>
+          <p:cNvPr id="34501228" name="Content Placeholder 3"/>
           <p:cNvSpPr>
             <a:spLocks noGrp="1"/>
           </p:cNvSpPr>
@@ -1524,7 +2226,7 @@
             <p:ph sz="half" idx="2"/>
           </p:nvPr>
         </p:nvSpPr>
-        <p:spPr>
+        <p:spPr bwMode="auto">
           <a:xfrm>
             <a:off x="457200" y="2174875"/>
             <a:ext cx="4040188" cy="3951288"/>
@@ -1562,37 +2264,51 @@
             </a:lvl9pPr>
           </a:lstStyle>
           <a:p>
-            <a:pPr lvl="0"/>
-            <a:r>
-              <a:rPr lang="en-US" smtClean="0"/>
+            <a:pPr lvl="0">
+              <a:defRPr/>
+            </a:pPr>
+            <a:r>
+              <a:rPr lang="en-US"/>
               <a:t>Click to edit Master text styles</a:t>
             </a:r>
-          </a:p>
-          <a:p>
-            <a:pPr lvl="1"/>
-            <a:r>
-              <a:rPr lang="en-US" smtClean="0"/>
+            <a:endParaRPr/>
+          </a:p>
+          <a:p>
+            <a:pPr lvl="1">
+              <a:defRPr/>
+            </a:pPr>
+            <a:r>
+              <a:rPr lang="en-US"/>
               <a:t>Second level</a:t>
             </a:r>
-          </a:p>
-          <a:p>
-            <a:pPr lvl="2"/>
-            <a:r>
-              <a:rPr lang="en-US" smtClean="0"/>
+            <a:endParaRPr/>
+          </a:p>
+          <a:p>
+            <a:pPr lvl="2">
+              <a:defRPr/>
+            </a:pPr>
+            <a:r>
+              <a:rPr lang="en-US"/>
               <a:t>Third level</a:t>
             </a:r>
-          </a:p>
-          <a:p>
-            <a:pPr lvl="3"/>
-            <a:r>
-              <a:rPr lang="en-US" smtClean="0"/>
+            <a:endParaRPr/>
+          </a:p>
+          <a:p>
+            <a:pPr lvl="3">
+              <a:defRPr/>
+            </a:pPr>
+            <a:r>
+              <a:rPr lang="en-US"/>
               <a:t>Fourth level</a:t>
             </a:r>
-          </a:p>
-          <a:p>
-            <a:pPr lvl="4"/>
-            <a:r>
-              <a:rPr lang="en-US" smtClean="0"/>
+            <a:endParaRPr/>
+          </a:p>
+          <a:p>
+            <a:pPr lvl="4">
+              <a:defRPr/>
+            </a:pPr>
+            <a:r>
+              <a:rPr lang="en-US"/>
               <a:t>Fifth level</a:t>
             </a:r>
             <a:endParaRPr lang="en-US"/>
@@ -1601,7 +2317,7 @@
       </p:sp>
       <p:sp>
         <p:nvSpPr>
-          <p:cNvPr id="5" name="Text Placeholder 4"/>
+          <p:cNvPr id="977065584" name="Text Placeholder 4"/>
           <p:cNvSpPr>
             <a:spLocks noGrp="1"/>
           </p:cNvSpPr>
@@ -1609,7 +2325,7 @@
             <p:ph type="body" sz="quarter" idx="3"/>
           </p:nvPr>
         </p:nvSpPr>
-        <p:spPr>
+        <p:spPr bwMode="auto">
           <a:xfrm>
             <a:off x="4645025" y="1535113"/>
             <a:ext cx="4041775" cy="639762"/>
@@ -1656,17 +2372,20 @@
             </a:lvl9pPr>
           </a:lstStyle>
           <a:p>
-            <a:pPr lvl="0"/>
-            <a:r>
-              <a:rPr lang="en-US" smtClean="0"/>
+            <a:pPr lvl="0">
+              <a:defRPr/>
+            </a:pPr>
+            <a:r>
+              <a:rPr lang="en-US"/>
               <a:t>Click to edit Master text styles</a:t>
             </a:r>
-          </a:p>
-        </p:txBody>
-      </p:sp>
-      <p:sp>
-        <p:nvSpPr>
-          <p:cNvPr id="6" name="Content Placeholder 5"/>
+            <a:endParaRPr/>
+          </a:p>
+        </p:txBody>
+      </p:sp>
+      <p:sp>
+        <p:nvSpPr>
+          <p:cNvPr id="890241307" name="Content Placeholder 5"/>
           <p:cNvSpPr>
             <a:spLocks noGrp="1"/>
           </p:cNvSpPr>
@@ -1674,7 +2393,7 @@
             <p:ph sz="quarter" idx="4"/>
           </p:nvPr>
         </p:nvSpPr>
-        <p:spPr>
+        <p:spPr bwMode="auto">
           <a:xfrm>
             <a:off x="4645025" y="2174875"/>
             <a:ext cx="4041775" cy="3951288"/>
@@ -1712,37 +2431,51 @@
             </a:lvl9pPr>
           </a:lstStyle>
           <a:p>
-            <a:pPr lvl="0"/>
-            <a:r>
-              <a:rPr lang="en-US" smtClean="0"/>
+            <a:pPr lvl="0">
+              <a:defRPr/>
+            </a:pPr>
+            <a:r>
+              <a:rPr lang="en-US"/>
               <a:t>Click to edit Master text styles</a:t>
             </a:r>
-          </a:p>
-          <a:p>
-            <a:pPr lvl="1"/>
-            <a:r>
-              <a:rPr lang="en-US" smtClean="0"/>
+            <a:endParaRPr/>
+          </a:p>
+          <a:p>
+            <a:pPr lvl="1">
+              <a:defRPr/>
+            </a:pPr>
+            <a:r>
+              <a:rPr lang="en-US"/>
               <a:t>Second level</a:t>
             </a:r>
-          </a:p>
-          <a:p>
-            <a:pPr lvl="2"/>
-            <a:r>
-              <a:rPr lang="en-US" smtClean="0"/>
+            <a:endParaRPr/>
+          </a:p>
+          <a:p>
+            <a:pPr lvl="2">
+              <a:defRPr/>
+            </a:pPr>
+            <a:r>
+              <a:rPr lang="en-US"/>
               <a:t>Third level</a:t>
             </a:r>
-          </a:p>
-          <a:p>
-            <a:pPr lvl="3"/>
-            <a:r>
-              <a:rPr lang="en-US" smtClean="0"/>
+            <a:endParaRPr/>
+          </a:p>
+          <a:p>
+            <a:pPr lvl="3">
+              <a:defRPr/>
+            </a:pPr>
+            <a:r>
+              <a:rPr lang="en-US"/>
               <a:t>Fourth level</a:t>
             </a:r>
-          </a:p>
-          <a:p>
-            <a:pPr lvl="4"/>
-            <a:r>
-              <a:rPr lang="en-US" smtClean="0"/>
+            <a:endParaRPr/>
+          </a:p>
+          <a:p>
+            <a:pPr lvl="4">
+              <a:defRPr/>
+            </a:pPr>
+            <a:r>
+              <a:rPr lang="en-US"/>
               <a:t>Fifth level</a:t>
             </a:r>
             <a:endParaRPr lang="en-US"/>
@@ -1751,7 +2484,7 @@
       </p:sp>
       <p:sp>
         <p:nvSpPr>
-          <p:cNvPr id="7" name="Date Placeholder 6"/>
+          <p:cNvPr id="33072588" name="Date Placeholder 6"/>
           <p:cNvSpPr>
             <a:spLocks noGrp="1"/>
           </p:cNvSpPr>
@@ -1759,13 +2492,16 @@
             <p:ph type="dt" sz="half" idx="10"/>
           </p:nvPr>
         </p:nvSpPr>
-        <p:spPr/>
-        <p:txBody>
-          <a:bodyPr/>
-          <a:lstStyle/>
-          <a:p>
+        <p:spPr bwMode="auto"/>
+        <p:txBody>
+          <a:bodyPr/>
+          <a:lstStyle/>
+          <a:p>
+            <a:pPr>
+              <a:defRPr/>
+            </a:pPr>
             <a:fld id="{5BCAD085-E8A6-8845-BD4E-CB4CCA059FC4}" type="datetimeFigureOut">
-              <a:rPr lang="en-US" smtClean="0"/>
+              <a:rPr lang="en-US"/>
               <a:t>1/27/13</a:t>
             </a:fld>
             <a:endParaRPr lang="en-US"/>
@@ -1774,7 +2510,7 @@
       </p:sp>
       <p:sp>
         <p:nvSpPr>
-          <p:cNvPr id="8" name="Footer Placeholder 7"/>
+          <p:cNvPr id="1398373396" name="Footer Placeholder 7"/>
           <p:cNvSpPr>
             <a:spLocks noGrp="1"/>
           </p:cNvSpPr>
@@ -1782,18 +2518,21 @@
             <p:ph type="ftr" sz="quarter" idx="11"/>
           </p:nvPr>
         </p:nvSpPr>
-        <p:spPr/>
-        <p:txBody>
-          <a:bodyPr/>
-          <a:lstStyle/>
-          <a:p>
-            <a:endParaRPr lang="en-US"/>
-          </a:p>
-        </p:txBody>
-      </p:sp>
-      <p:sp>
-        <p:nvSpPr>
-          <p:cNvPr id="9" name="Slide Number Placeholder 8"/>
+        <p:spPr bwMode="auto"/>
+        <p:txBody>
+          <a:bodyPr/>
+          <a:lstStyle/>
+          <a:p>
+            <a:pPr>
+              <a:defRPr/>
+            </a:pPr>
+            <a:endParaRPr lang="en-US"/>
+          </a:p>
+        </p:txBody>
+      </p:sp>
+      <p:sp>
+        <p:nvSpPr>
+          <p:cNvPr id="2092132672" name="Slide Number Placeholder 8"/>
           <p:cNvSpPr>
             <a:spLocks noGrp="1"/>
           </p:cNvSpPr>
@@ -1801,13 +2540,16 @@
             <p:ph type="sldNum" sz="quarter" idx="12"/>
           </p:nvPr>
         </p:nvSpPr>
-        <p:spPr/>
-        <p:txBody>
-          <a:bodyPr/>
-          <a:lstStyle/>
-          <a:p>
+        <p:spPr bwMode="auto"/>
+        <p:txBody>
+          <a:bodyPr/>
+          <a:lstStyle/>
+          <a:p>
+            <a:pPr>
+              <a:defRPr/>
+            </a:pPr>
             <a:fld id="{C1FF6DA9-008F-8B48-92A6-B652298478BF}" type="slidenum">
-              <a:rPr lang="en-US" smtClean="0"/>
+              <a:rPr lang="en-US"/>
               <a:t>‹#›</a:t>
             </a:fld>
             <a:endParaRPr lang="en-US"/>
@@ -1815,11 +2557,6 @@
         </p:txBody>
       </p:sp>
     </p:spTree>
-    <p:extLst>
-      <p:ext uri="{BB962C8B-B14F-4D97-AF65-F5344CB8AC3E}">
-        <p14:creationId xmlns:p14="http://schemas.microsoft.com/office/powerpoint/2010/main" val="990158736"/>
-      </p:ext>
-    </p:extLst>
   </p:cSld>
   <p:clrMapOvr>
     <a:masterClrMapping/>
@@ -1828,7 +2565,7 @@
 </file>
 
 <file path=ppt/slideLayouts/slideLayout6.xml><?xml version="1.0" encoding="utf-8"?>
-<p:sldLayout xmlns:a="http://schemas.openxmlformats.org/drawingml/2006/main" xmlns:r="http://schemas.openxmlformats.org/officeDocument/2006/relationships" xmlns:p="http://schemas.openxmlformats.org/presentationml/2006/main" type="titleOnly" preserve="1">
+<p:sldLayout xmlns:a="http://schemas.openxmlformats.org/drawingml/2006/main" xmlns:r="http://schemas.openxmlformats.org/officeDocument/2006/relationships" xmlns:p="http://schemas.openxmlformats.org/presentationml/2006/main" xmlns:m="http://schemas.openxmlformats.org/officeDocument/2006/math" xmlns:w="http://schemas.openxmlformats.org/wordprocessingml/2006/main" matchingName="" preserve="1" showMasterPhAnim="0" showMasterSp="1" type="titleOnly" userDrawn="1">
   <p:cSld name="Title Only">
     <p:spTree>
       <p:nvGrpSpPr>
@@ -1836,7 +2573,7 @@
         <p:cNvGrpSpPr/>
         <p:nvPr/>
       </p:nvGrpSpPr>
-      <p:grpSpPr>
+      <p:grpSpPr bwMode="auto">
         <a:xfrm>
           <a:off x="0" y="0"/>
           <a:ext cx="0" cy="0"/>
@@ -1846,7 +2583,7 @@
       </p:grpSpPr>
       <p:sp>
         <p:nvSpPr>
-          <p:cNvPr id="2" name="Title 1"/>
+          <p:cNvPr id="1311296968" name="Title 1"/>
           <p:cNvSpPr>
             <a:spLocks noGrp="1"/>
           </p:cNvSpPr>
@@ -1854,13 +2591,16 @@
             <p:ph type="title"/>
           </p:nvPr>
         </p:nvSpPr>
-        <p:spPr/>
-        <p:txBody>
-          <a:bodyPr/>
-          <a:lstStyle/>
-          <a:p>
-            <a:r>
-              <a:rPr lang="en-US" smtClean="0"/>
+        <p:spPr bwMode="auto"/>
+        <p:txBody>
+          <a:bodyPr/>
+          <a:lstStyle/>
+          <a:p>
+            <a:pPr>
+              <a:defRPr/>
+            </a:pPr>
+            <a:r>
+              <a:rPr lang="en-US"/>
               <a:t>Click to edit Master title style</a:t>
             </a:r>
             <a:endParaRPr lang="en-US"/>
@@ -1869,7 +2609,7 @@
       </p:sp>
       <p:sp>
         <p:nvSpPr>
-          <p:cNvPr id="3" name="Date Placeholder 2"/>
+          <p:cNvPr id="1657186788" name="Date Placeholder 2"/>
           <p:cNvSpPr>
             <a:spLocks noGrp="1"/>
           </p:cNvSpPr>
@@ -1877,13 +2617,16 @@
             <p:ph type="dt" sz="half" idx="10"/>
           </p:nvPr>
         </p:nvSpPr>
-        <p:spPr/>
-        <p:txBody>
-          <a:bodyPr/>
-          <a:lstStyle/>
-          <a:p>
+        <p:spPr bwMode="auto"/>
+        <p:txBody>
+          <a:bodyPr/>
+          <a:lstStyle/>
+          <a:p>
+            <a:pPr>
+              <a:defRPr/>
+            </a:pPr>
             <a:fld id="{5BCAD085-E8A6-8845-BD4E-CB4CCA059FC4}" type="datetimeFigureOut">
-              <a:rPr lang="en-US" smtClean="0"/>
+              <a:rPr lang="en-US"/>
               <a:t>1/27/13</a:t>
             </a:fld>
             <a:endParaRPr lang="en-US"/>
@@ -1892,7 +2635,7 @@
       </p:sp>
       <p:sp>
         <p:nvSpPr>
-          <p:cNvPr id="4" name="Footer Placeholder 3"/>
+          <p:cNvPr id="1920428656" name="Footer Placeholder 3"/>
           <p:cNvSpPr>
             <a:spLocks noGrp="1"/>
           </p:cNvSpPr>
@@ -1900,18 +2643,21 @@
             <p:ph type="ftr" sz="quarter" idx="11"/>
           </p:nvPr>
         </p:nvSpPr>
-        <p:spPr/>
-        <p:txBody>
-          <a:bodyPr/>
-          <a:lstStyle/>
-          <a:p>
-            <a:endParaRPr lang="en-US"/>
-          </a:p>
-        </p:txBody>
-      </p:sp>
-      <p:sp>
-        <p:nvSpPr>
-          <p:cNvPr id="5" name="Slide Number Placeholder 4"/>
+        <p:spPr bwMode="auto"/>
+        <p:txBody>
+          <a:bodyPr/>
+          <a:lstStyle/>
+          <a:p>
+            <a:pPr>
+              <a:defRPr/>
+            </a:pPr>
+            <a:endParaRPr lang="en-US"/>
+          </a:p>
+        </p:txBody>
+      </p:sp>
+      <p:sp>
+        <p:nvSpPr>
+          <p:cNvPr id="149614176" name="Slide Number Placeholder 4"/>
           <p:cNvSpPr>
             <a:spLocks noGrp="1"/>
           </p:cNvSpPr>
@@ -1919,13 +2665,16 @@
             <p:ph type="sldNum" sz="quarter" idx="12"/>
           </p:nvPr>
         </p:nvSpPr>
-        <p:spPr/>
-        <p:txBody>
-          <a:bodyPr/>
-          <a:lstStyle/>
-          <a:p>
+        <p:spPr bwMode="auto"/>
+        <p:txBody>
+          <a:bodyPr/>
+          <a:lstStyle/>
+          <a:p>
+            <a:pPr>
+              <a:defRPr/>
+            </a:pPr>
             <a:fld id="{C1FF6DA9-008F-8B48-92A6-B652298478BF}" type="slidenum">
-              <a:rPr lang="en-US" smtClean="0"/>
+              <a:rPr lang="en-US"/>
               <a:t>‹#›</a:t>
             </a:fld>
             <a:endParaRPr lang="en-US"/>
@@ -1933,11 +2682,6 @@
         </p:txBody>
       </p:sp>
     </p:spTree>
-    <p:extLst>
-      <p:ext uri="{BB962C8B-B14F-4D97-AF65-F5344CB8AC3E}">
-        <p14:creationId xmlns:p14="http://schemas.microsoft.com/office/powerpoint/2010/main" val="727027711"/>
-      </p:ext>
-    </p:extLst>
   </p:cSld>
   <p:clrMapOvr>
     <a:masterClrMapping/>
@@ -1946,7 +2690,7 @@
 </file>
 
 <file path=ppt/slideLayouts/slideLayout7.xml><?xml version="1.0" encoding="utf-8"?>
-<p:sldLayout xmlns:a="http://schemas.openxmlformats.org/drawingml/2006/main" xmlns:r="http://schemas.openxmlformats.org/officeDocument/2006/relationships" xmlns:p="http://schemas.openxmlformats.org/presentationml/2006/main" type="blank" preserve="1">
+<p:sldLayout xmlns:a="http://schemas.openxmlformats.org/drawingml/2006/main" xmlns:r="http://schemas.openxmlformats.org/officeDocument/2006/relationships" xmlns:p="http://schemas.openxmlformats.org/presentationml/2006/main" xmlns:m="http://schemas.openxmlformats.org/officeDocument/2006/math" xmlns:w="http://schemas.openxmlformats.org/wordprocessingml/2006/main" matchingName="" preserve="1" showMasterPhAnim="0" showMasterSp="1" type="blank" userDrawn="1">
   <p:cSld name="Blank">
     <p:spTree>
       <p:nvGrpSpPr>
@@ -1954,7 +2698,7 @@
         <p:cNvGrpSpPr/>
         <p:nvPr/>
       </p:nvGrpSpPr>
-      <p:grpSpPr>
+      <p:grpSpPr bwMode="auto">
         <a:xfrm>
           <a:off x="0" y="0"/>
           <a:ext cx="0" cy="0"/>
@@ -1964,7 +2708,7 @@
       </p:grpSpPr>
       <p:sp>
         <p:nvSpPr>
-          <p:cNvPr id="2" name="Date Placeholder 1"/>
+          <p:cNvPr id="1424518491" name="Date Placeholder 1"/>
           <p:cNvSpPr>
             <a:spLocks noGrp="1"/>
           </p:cNvSpPr>
@@ -1972,13 +2716,16 @@
             <p:ph type="dt" sz="half" idx="10"/>
           </p:nvPr>
         </p:nvSpPr>
-        <p:spPr/>
-        <p:txBody>
-          <a:bodyPr/>
-          <a:lstStyle/>
-          <a:p>
+        <p:spPr bwMode="auto"/>
+        <p:txBody>
+          <a:bodyPr/>
+          <a:lstStyle/>
+          <a:p>
+            <a:pPr>
+              <a:defRPr/>
+            </a:pPr>
             <a:fld id="{5BCAD085-E8A6-8845-BD4E-CB4CCA059FC4}" type="datetimeFigureOut">
-              <a:rPr lang="en-US" smtClean="0"/>
+              <a:rPr lang="en-US"/>
               <a:t>1/27/13</a:t>
             </a:fld>
             <a:endParaRPr lang="en-US"/>
@@ -1987,7 +2734,7 @@
       </p:sp>
       <p:sp>
         <p:nvSpPr>
-          <p:cNvPr id="3" name="Footer Placeholder 2"/>
+          <p:cNvPr id="795882043" name="Footer Placeholder 2"/>
           <p:cNvSpPr>
             <a:spLocks noGrp="1"/>
           </p:cNvSpPr>
@@ -1995,18 +2742,21 @@
             <p:ph type="ftr" sz="quarter" idx="11"/>
           </p:nvPr>
         </p:nvSpPr>
-        <p:spPr/>
-        <p:txBody>
-          <a:bodyPr/>
-          <a:lstStyle/>
-          <a:p>
-            <a:endParaRPr lang="en-US"/>
-          </a:p>
-        </p:txBody>
-      </p:sp>
-      <p:sp>
-        <p:nvSpPr>
-          <p:cNvPr id="4" name="Slide Number Placeholder 3"/>
+        <p:spPr bwMode="auto"/>
+        <p:txBody>
+          <a:bodyPr/>
+          <a:lstStyle/>
+          <a:p>
+            <a:pPr>
+              <a:defRPr/>
+            </a:pPr>
+            <a:endParaRPr lang="en-US"/>
+          </a:p>
+        </p:txBody>
+      </p:sp>
+      <p:sp>
+        <p:nvSpPr>
+          <p:cNvPr id="790466987" name="Slide Number Placeholder 3"/>
           <p:cNvSpPr>
             <a:spLocks noGrp="1"/>
           </p:cNvSpPr>
@@ -2014,13 +2764,16 @@
             <p:ph type="sldNum" sz="quarter" idx="12"/>
           </p:nvPr>
         </p:nvSpPr>
-        <p:spPr/>
-        <p:txBody>
-          <a:bodyPr/>
-          <a:lstStyle/>
-          <a:p>
+        <p:spPr bwMode="auto"/>
+        <p:txBody>
+          <a:bodyPr/>
+          <a:lstStyle/>
+          <a:p>
+            <a:pPr>
+              <a:defRPr/>
+            </a:pPr>
             <a:fld id="{C1FF6DA9-008F-8B48-92A6-B652298478BF}" type="slidenum">
-              <a:rPr lang="en-US" smtClean="0"/>
+              <a:rPr lang="en-US"/>
               <a:t>‹#›</a:t>
             </a:fld>
             <a:endParaRPr lang="en-US"/>
@@ -2028,11 +2781,6 @@
         </p:txBody>
       </p:sp>
     </p:spTree>
-    <p:extLst>
-      <p:ext uri="{BB962C8B-B14F-4D97-AF65-F5344CB8AC3E}">
-        <p14:creationId xmlns:p14="http://schemas.microsoft.com/office/powerpoint/2010/main" val="1212999818"/>
-      </p:ext>
-    </p:extLst>
   </p:cSld>
   <p:clrMapOvr>
     <a:masterClrMapping/>
@@ -2041,7 +2789,7 @@
 </file>
 
 <file path=ppt/slideLayouts/slideLayout8.xml><?xml version="1.0" encoding="utf-8"?>
-<p:sldLayout xmlns:a="http://schemas.openxmlformats.org/drawingml/2006/main" xmlns:r="http://schemas.openxmlformats.org/officeDocument/2006/relationships" xmlns:p="http://schemas.openxmlformats.org/presentationml/2006/main" type="objTx" preserve="1">
+<p:sldLayout xmlns:a="http://schemas.openxmlformats.org/drawingml/2006/main" xmlns:r="http://schemas.openxmlformats.org/officeDocument/2006/relationships" xmlns:p="http://schemas.openxmlformats.org/presentationml/2006/main" xmlns:m="http://schemas.openxmlformats.org/officeDocument/2006/math" xmlns:w="http://schemas.openxmlformats.org/wordprocessingml/2006/main" matchingName="" preserve="1" showMasterPhAnim="0" showMasterSp="1" type="objTx" userDrawn="1">
   <p:cSld name="Content with Caption">
     <p:spTree>
       <p:nvGrpSpPr>
@@ -2049,7 +2797,7 @@
         <p:cNvGrpSpPr/>
         <p:nvPr/>
       </p:nvGrpSpPr>
-      <p:grpSpPr>
+      <p:grpSpPr bwMode="auto">
         <a:xfrm>
           <a:off x="0" y="0"/>
           <a:ext cx="0" cy="0"/>
@@ -2059,7 +2807,7 @@
       </p:grpSpPr>
       <p:sp>
         <p:nvSpPr>
-          <p:cNvPr id="2" name="Title 1"/>
+          <p:cNvPr id="1329129438" name="Title 1"/>
           <p:cNvSpPr>
             <a:spLocks noGrp="1"/>
           </p:cNvSpPr>
@@ -2067,7 +2815,7 @@
             <p:ph type="title"/>
           </p:nvPr>
         </p:nvSpPr>
-        <p:spPr>
+        <p:spPr bwMode="auto">
           <a:xfrm>
             <a:off x="457200" y="273050"/>
             <a:ext cx="3008313" cy="1162050"/>
@@ -2081,8 +2829,11 @@
             </a:lvl1pPr>
           </a:lstStyle>
           <a:p>
-            <a:r>
-              <a:rPr lang="en-US" smtClean="0"/>
+            <a:pPr>
+              <a:defRPr/>
+            </a:pPr>
+            <a:r>
+              <a:rPr lang="en-US"/>
               <a:t>Click to edit Master title style</a:t>
             </a:r>
             <a:endParaRPr lang="en-US"/>
@@ -2091,7 +2842,7 @@
       </p:sp>
       <p:sp>
         <p:nvSpPr>
-          <p:cNvPr id="3" name="Content Placeholder 2"/>
+          <p:cNvPr id="1405565953" name="Content Placeholder 2"/>
           <p:cNvSpPr>
             <a:spLocks noGrp="1"/>
           </p:cNvSpPr>
@@ -2099,7 +2850,7 @@
             <p:ph idx="1"/>
           </p:nvPr>
         </p:nvSpPr>
-        <p:spPr>
+        <p:spPr bwMode="auto">
           <a:xfrm>
             <a:off x="3575050" y="273050"/>
             <a:ext cx="5111750" cy="5853113"/>
@@ -2137,37 +2888,51 @@
             </a:lvl9pPr>
           </a:lstStyle>
           <a:p>
-            <a:pPr lvl="0"/>
-            <a:r>
-              <a:rPr lang="en-US" smtClean="0"/>
+            <a:pPr lvl="0">
+              <a:defRPr/>
+            </a:pPr>
+            <a:r>
+              <a:rPr lang="en-US"/>
               <a:t>Click to edit Master text styles</a:t>
             </a:r>
-          </a:p>
-          <a:p>
-            <a:pPr lvl="1"/>
-            <a:r>
-              <a:rPr lang="en-US" smtClean="0"/>
+            <a:endParaRPr/>
+          </a:p>
+          <a:p>
+            <a:pPr lvl="1">
+              <a:defRPr/>
+            </a:pPr>
+            <a:r>
+              <a:rPr lang="en-US"/>
               <a:t>Second level</a:t>
             </a:r>
-          </a:p>
-          <a:p>
-            <a:pPr lvl="2"/>
-            <a:r>
-              <a:rPr lang="en-US" smtClean="0"/>
+            <a:endParaRPr/>
+          </a:p>
+          <a:p>
+            <a:pPr lvl="2">
+              <a:defRPr/>
+            </a:pPr>
+            <a:r>
+              <a:rPr lang="en-US"/>
               <a:t>Third level</a:t>
             </a:r>
-          </a:p>
-          <a:p>
-            <a:pPr lvl="3"/>
-            <a:r>
-              <a:rPr lang="en-US" smtClean="0"/>
+            <a:endParaRPr/>
+          </a:p>
+          <a:p>
+            <a:pPr lvl="3">
+              <a:defRPr/>
+            </a:pPr>
+            <a:r>
+              <a:rPr lang="en-US"/>
               <a:t>Fourth level</a:t>
             </a:r>
-          </a:p>
-          <a:p>
-            <a:pPr lvl="4"/>
-            <a:r>
-              <a:rPr lang="en-US" smtClean="0"/>
+            <a:endParaRPr/>
+          </a:p>
+          <a:p>
+            <a:pPr lvl="4">
+              <a:defRPr/>
+            </a:pPr>
+            <a:r>
+              <a:rPr lang="en-US"/>
               <a:t>Fifth level</a:t>
             </a:r>
             <a:endParaRPr lang="en-US"/>
@@ -2176,7 +2941,7 @@
       </p:sp>
       <p:sp>
         <p:nvSpPr>
-          <p:cNvPr id="4" name="Text Placeholder 3"/>
+          <p:cNvPr id="796133632" name="Text Placeholder 3"/>
           <p:cNvSpPr>
             <a:spLocks noGrp="1"/>
           </p:cNvSpPr>
@@ -2184,7 +2949,7 @@
             <p:ph type="body" sz="half" idx="2"/>
           </p:nvPr>
         </p:nvSpPr>
-        <p:spPr>
+        <p:spPr bwMode="auto">
           <a:xfrm>
             <a:off x="457200" y="1435100"/>
             <a:ext cx="3008313" cy="4691063"/>
@@ -2231,17 +2996,20 @@
             </a:lvl9pPr>
           </a:lstStyle>
           <a:p>
-            <a:pPr lvl="0"/>
-            <a:r>
-              <a:rPr lang="en-US" smtClean="0"/>
+            <a:pPr lvl="0">
+              <a:defRPr/>
+            </a:pPr>
+            <a:r>
+              <a:rPr lang="en-US"/>
               <a:t>Click to edit Master text styles</a:t>
             </a:r>
-          </a:p>
-        </p:txBody>
-      </p:sp>
-      <p:sp>
-        <p:nvSpPr>
-          <p:cNvPr id="5" name="Date Placeholder 4"/>
+            <a:endParaRPr/>
+          </a:p>
+        </p:txBody>
+      </p:sp>
+      <p:sp>
+        <p:nvSpPr>
+          <p:cNvPr id="887716" name="Date Placeholder 4"/>
           <p:cNvSpPr>
             <a:spLocks noGrp="1"/>
           </p:cNvSpPr>
@@ -2249,13 +3017,16 @@
             <p:ph type="dt" sz="half" idx="10"/>
           </p:nvPr>
         </p:nvSpPr>
-        <p:spPr/>
-        <p:txBody>
-          <a:bodyPr/>
-          <a:lstStyle/>
-          <a:p>
+        <p:spPr bwMode="auto"/>
+        <p:txBody>
+          <a:bodyPr/>
+          <a:lstStyle/>
+          <a:p>
+            <a:pPr>
+              <a:defRPr/>
+            </a:pPr>
             <a:fld id="{5BCAD085-E8A6-8845-BD4E-CB4CCA059FC4}" type="datetimeFigureOut">
-              <a:rPr lang="en-US" smtClean="0"/>
+              <a:rPr lang="en-US"/>
               <a:t>1/27/13</a:t>
             </a:fld>
             <a:endParaRPr lang="en-US"/>
@@ -2264,7 +3035,7 @@
       </p:sp>
       <p:sp>
         <p:nvSpPr>
-          <p:cNvPr id="6" name="Footer Placeholder 5"/>
+          <p:cNvPr id="1343755427" name="Footer Placeholder 5"/>
           <p:cNvSpPr>
             <a:spLocks noGrp="1"/>
           </p:cNvSpPr>
@@ -2272,18 +3043,21 @@
             <p:ph type="ftr" sz="quarter" idx="11"/>
           </p:nvPr>
         </p:nvSpPr>
-        <p:spPr/>
-        <p:txBody>
-          <a:bodyPr/>
-          <a:lstStyle/>
-          <a:p>
-            <a:endParaRPr lang="en-US"/>
-          </a:p>
-        </p:txBody>
-      </p:sp>
-      <p:sp>
-        <p:nvSpPr>
-          <p:cNvPr id="7" name="Slide Number Placeholder 6"/>
+        <p:spPr bwMode="auto"/>
+        <p:txBody>
+          <a:bodyPr/>
+          <a:lstStyle/>
+          <a:p>
+            <a:pPr>
+              <a:defRPr/>
+            </a:pPr>
+            <a:endParaRPr lang="en-US"/>
+          </a:p>
+        </p:txBody>
+      </p:sp>
+      <p:sp>
+        <p:nvSpPr>
+          <p:cNvPr id="861566825" name="Slide Number Placeholder 6"/>
           <p:cNvSpPr>
             <a:spLocks noGrp="1"/>
           </p:cNvSpPr>
@@ -2291,13 +3065,16 @@
             <p:ph type="sldNum" sz="quarter" idx="12"/>
           </p:nvPr>
         </p:nvSpPr>
-        <p:spPr/>
-        <p:txBody>
-          <a:bodyPr/>
-          <a:lstStyle/>
-          <a:p>
+        <p:spPr bwMode="auto"/>
+        <p:txBody>
+          <a:bodyPr/>
+          <a:lstStyle/>
+          <a:p>
+            <a:pPr>
+              <a:defRPr/>
+            </a:pPr>
             <a:fld id="{C1FF6DA9-008F-8B48-92A6-B652298478BF}" type="slidenum">
-              <a:rPr lang="en-US" smtClean="0"/>
+              <a:rPr lang="en-US"/>
               <a:t>‹#›</a:t>
             </a:fld>
             <a:endParaRPr lang="en-US"/>
@@ -2305,11 +3082,6 @@
         </p:txBody>
       </p:sp>
     </p:spTree>
-    <p:extLst>
-      <p:ext uri="{BB962C8B-B14F-4D97-AF65-F5344CB8AC3E}">
-        <p14:creationId xmlns:p14="http://schemas.microsoft.com/office/powerpoint/2010/main" val="1840726560"/>
-      </p:ext>
-    </p:extLst>
   </p:cSld>
   <p:clrMapOvr>
     <a:masterClrMapping/>
@@ -2318,7 +3090,7 @@
 </file>
 
 <file path=ppt/slideLayouts/slideLayout9.xml><?xml version="1.0" encoding="utf-8"?>
-<p:sldLayout xmlns:a="http://schemas.openxmlformats.org/drawingml/2006/main" xmlns:r="http://schemas.openxmlformats.org/officeDocument/2006/relationships" xmlns:p="http://schemas.openxmlformats.org/presentationml/2006/main" type="picTx" preserve="1">
+<p:sldLayout xmlns:a="http://schemas.openxmlformats.org/drawingml/2006/main" xmlns:r="http://schemas.openxmlformats.org/officeDocument/2006/relationships" xmlns:p="http://schemas.openxmlformats.org/presentationml/2006/main" xmlns:m="http://schemas.openxmlformats.org/officeDocument/2006/math" xmlns:w="http://schemas.openxmlformats.org/wordprocessingml/2006/main" matchingName="" preserve="1" showMasterPhAnim="0" showMasterSp="1" type="picTx" userDrawn="1">
   <p:cSld name="Picture with Caption">
     <p:spTree>
       <p:nvGrpSpPr>
@@ -2326,7 +3098,7 @@
         <p:cNvGrpSpPr/>
         <p:nvPr/>
       </p:nvGrpSpPr>
-      <p:grpSpPr>
+      <p:grpSpPr bwMode="auto">
         <a:xfrm>
           <a:off x="0" y="0"/>
           <a:ext cx="0" cy="0"/>
@@ -2336,7 +3108,7 @@
       </p:grpSpPr>
       <p:sp>
         <p:nvSpPr>
-          <p:cNvPr id="2" name="Title 1"/>
+          <p:cNvPr id="1350188434" name="Title 1"/>
           <p:cNvSpPr>
             <a:spLocks noGrp="1"/>
           </p:cNvSpPr>
@@ -2344,7 +3116,7 @@
             <p:ph type="title"/>
           </p:nvPr>
         </p:nvSpPr>
-        <p:spPr>
+        <p:spPr bwMode="auto">
           <a:xfrm>
             <a:off x="1792288" y="4800600"/>
             <a:ext cx="5486400" cy="566738"/>
@@ -2358,8 +3130,11 @@
             </a:lvl1pPr>
           </a:lstStyle>
           <a:p>
-            <a:r>
-              <a:rPr lang="en-US" smtClean="0"/>
+            <a:pPr>
+              <a:defRPr/>
+            </a:pPr>
+            <a:r>
+              <a:rPr lang="en-US"/>
               <a:t>Click to edit Master title style</a:t>
             </a:r>
             <a:endParaRPr lang="en-US"/>
@@ -2368,7 +3143,7 @@
       </p:sp>
       <p:sp>
         <p:nvSpPr>
-          <p:cNvPr id="3" name="Picture Placeholder 2"/>
+          <p:cNvPr id="1277488362" name="Picture Placeholder 2"/>
           <p:cNvSpPr>
             <a:spLocks noGrp="1"/>
           </p:cNvSpPr>
@@ -2376,7 +3151,7 @@
             <p:ph type="pic" idx="1"/>
           </p:nvPr>
         </p:nvSpPr>
-        <p:spPr>
+        <p:spPr bwMode="auto">
           <a:xfrm>
             <a:off x="1792288" y="612775"/>
             <a:ext cx="5486400" cy="4114800"/>
@@ -2423,13 +3198,16 @@
             </a:lvl9pPr>
           </a:lstStyle>
           <a:p>
-            <a:endParaRPr lang="en-US"/>
-          </a:p>
-        </p:txBody>
-      </p:sp>
-      <p:sp>
-        <p:nvSpPr>
-          <p:cNvPr id="4" name="Text Placeholder 3"/>
+            <a:pPr>
+              <a:defRPr/>
+            </a:pPr>
+            <a:endParaRPr lang="en-US"/>
+          </a:p>
+        </p:txBody>
+      </p:sp>
+      <p:sp>
+        <p:nvSpPr>
+          <p:cNvPr id="272557080" name="Text Placeholder 3"/>
           <p:cNvSpPr>
             <a:spLocks noGrp="1"/>
           </p:cNvSpPr>
@@ -2437,7 +3215,7 @@
             <p:ph type="body" sz="half" idx="2"/>
           </p:nvPr>
         </p:nvSpPr>
-        <p:spPr>
+        <p:spPr bwMode="auto">
           <a:xfrm>
             <a:off x="1792288" y="5367338"/>
             <a:ext cx="5486400" cy="804862"/>
@@ -2484,17 +3262,20 @@
             </a:lvl9pPr>
           </a:lstStyle>
           <a:p>
-            <a:pPr lvl="0"/>
-            <a:r>
-              <a:rPr lang="en-US" smtClean="0"/>
+            <a:pPr lvl="0">
+              <a:defRPr/>
+            </a:pPr>
+            <a:r>
+              <a:rPr lang="en-US"/>
               <a:t>Click to edit Master text styles</a:t>
             </a:r>
-          </a:p>
-        </p:txBody>
-      </p:sp>
-      <p:sp>
-        <p:nvSpPr>
-          <p:cNvPr id="5" name="Date Placeholder 4"/>
+            <a:endParaRPr/>
+          </a:p>
+        </p:txBody>
+      </p:sp>
+      <p:sp>
+        <p:nvSpPr>
+          <p:cNvPr id="960921590" name="Date Placeholder 4"/>
           <p:cNvSpPr>
             <a:spLocks noGrp="1"/>
           </p:cNvSpPr>
@@ -2502,13 +3283,16 @@
             <p:ph type="dt" sz="half" idx="10"/>
           </p:nvPr>
         </p:nvSpPr>
-        <p:spPr/>
-        <p:txBody>
-          <a:bodyPr/>
-          <a:lstStyle/>
-          <a:p>
+        <p:spPr bwMode="auto"/>
+        <p:txBody>
+          <a:bodyPr/>
+          <a:lstStyle/>
+          <a:p>
+            <a:pPr>
+              <a:defRPr/>
+            </a:pPr>
             <a:fld id="{5BCAD085-E8A6-8845-BD4E-CB4CCA059FC4}" type="datetimeFigureOut">
-              <a:rPr lang="en-US" smtClean="0"/>
+              <a:rPr lang="en-US"/>
               <a:t>1/27/13</a:t>
             </a:fld>
             <a:endParaRPr lang="en-US"/>
@@ -2517,7 +3301,7 @@
       </p:sp>
       <p:sp>
         <p:nvSpPr>
-          <p:cNvPr id="6" name="Footer Placeholder 5"/>
+          <p:cNvPr id="576408775" name="Footer Placeholder 5"/>
           <p:cNvSpPr>
             <a:spLocks noGrp="1"/>
           </p:cNvSpPr>
@@ -2525,18 +3309,21 @@
             <p:ph type="ftr" sz="quarter" idx="11"/>
           </p:nvPr>
         </p:nvSpPr>
-        <p:spPr/>
-        <p:txBody>
-          <a:bodyPr/>
-          <a:lstStyle/>
-          <a:p>
-            <a:endParaRPr lang="en-US"/>
-          </a:p>
-        </p:txBody>
-      </p:sp>
-      <p:sp>
-        <p:nvSpPr>
-          <p:cNvPr id="7" name="Slide Number Placeholder 6"/>
+        <p:spPr bwMode="auto"/>
+        <p:txBody>
+          <a:bodyPr/>
+          <a:lstStyle/>
+          <a:p>
+            <a:pPr>
+              <a:defRPr/>
+            </a:pPr>
+            <a:endParaRPr lang="en-US"/>
+          </a:p>
+        </p:txBody>
+      </p:sp>
+      <p:sp>
+        <p:nvSpPr>
+          <p:cNvPr id="1230489226" name="Slide Number Placeholder 6"/>
           <p:cNvSpPr>
             <a:spLocks noGrp="1"/>
           </p:cNvSpPr>
@@ -2544,13 +3331,16 @@
             <p:ph type="sldNum" sz="quarter" idx="12"/>
           </p:nvPr>
         </p:nvSpPr>
-        <p:spPr/>
-        <p:txBody>
-          <a:bodyPr/>
-          <a:lstStyle/>
-          <a:p>
+        <p:spPr bwMode="auto"/>
+        <p:txBody>
+          <a:bodyPr/>
+          <a:lstStyle/>
+          <a:p>
+            <a:pPr>
+              <a:defRPr/>
+            </a:pPr>
             <a:fld id="{C1FF6DA9-008F-8B48-92A6-B652298478BF}" type="slidenum">
-              <a:rPr lang="en-US" smtClean="0"/>
+              <a:rPr lang="en-US"/>
               <a:t>‹#›</a:t>
             </a:fld>
             <a:endParaRPr lang="en-US"/>
@@ -2558,11 +3348,6 @@
         </p:txBody>
       </p:sp>
     </p:spTree>
-    <p:extLst>
-      <p:ext uri="{BB962C8B-B14F-4D97-AF65-F5344CB8AC3E}">
-        <p14:creationId xmlns:p14="http://schemas.microsoft.com/office/powerpoint/2010/main" val="3889236939"/>
-      </p:ext>
-    </p:extLst>
   </p:cSld>
   <p:clrMapOvr>
     <a:masterClrMapping/>
@@ -2571,8 +3356,8 @@
 </file>
 
 <file path=ppt/slideMasters/slideMaster1.xml><?xml version="1.0" encoding="utf-8"?>
-<p:sldMaster xmlns:a="http://schemas.openxmlformats.org/drawingml/2006/main" xmlns:r="http://schemas.openxmlformats.org/officeDocument/2006/relationships" xmlns:p="http://schemas.openxmlformats.org/presentationml/2006/main">
-  <p:cSld>
+<p:sldMaster xmlns:a="http://schemas.openxmlformats.org/drawingml/2006/main" xmlns:r="http://schemas.openxmlformats.org/officeDocument/2006/relationships" xmlns:p="http://schemas.openxmlformats.org/presentationml/2006/main" xmlns:m="http://schemas.openxmlformats.org/officeDocument/2006/math" xmlns:w="http://schemas.openxmlformats.org/wordprocessingml/2006/main" preserve="0">
+  <p:cSld name="">
     <p:bg>
       <p:bgRef idx="1001">
         <a:schemeClr val="bg1"/>
@@ -2584,7 +3369,7 @@
         <p:cNvGrpSpPr/>
         <p:nvPr/>
       </p:nvGrpSpPr>
-      <p:grpSpPr>
+      <p:grpSpPr bwMode="auto">
         <a:xfrm>
           <a:off x="0" y="0"/>
           <a:ext cx="0" cy="0"/>
@@ -2594,7 +3379,7 @@
       </p:grpSpPr>
       <p:sp>
         <p:nvSpPr>
-          <p:cNvPr id="2" name="Title Placeholder 1"/>
+          <p:cNvPr id="2022342757" name="Title Placeholder 1"/>
           <p:cNvSpPr>
             <a:spLocks noGrp="1"/>
           </p:cNvSpPr>
@@ -2602,7 +3387,7 @@
             <p:ph type="title"/>
           </p:nvPr>
         </p:nvSpPr>
-        <p:spPr>
+        <p:spPr bwMode="auto">
           <a:xfrm>
             <a:off x="457200" y="274638"/>
             <a:ext cx="8229600" cy="1143000"/>
@@ -2617,8 +3402,11 @@
           </a:bodyPr>
           <a:lstStyle/>
           <a:p>
-            <a:r>
-              <a:rPr lang="en-US" smtClean="0"/>
+            <a:pPr>
+              <a:defRPr/>
+            </a:pPr>
+            <a:r>
+              <a:rPr lang="en-US"/>
               <a:t>Click to edit Master title style</a:t>
             </a:r>
             <a:endParaRPr lang="en-US"/>
@@ -2627,7 +3415,7 @@
       </p:sp>
       <p:sp>
         <p:nvSpPr>
-          <p:cNvPr id="3" name="Text Placeholder 2"/>
+          <p:cNvPr id="1150274588" name="Text Placeholder 2"/>
           <p:cNvSpPr>
             <a:spLocks noGrp="1"/>
           </p:cNvSpPr>
@@ -2635,7 +3423,7 @@
             <p:ph type="body" idx="1"/>
           </p:nvPr>
         </p:nvSpPr>
-        <p:spPr>
+        <p:spPr bwMode="auto">
           <a:xfrm>
             <a:off x="457200" y="1600200"/>
             <a:ext cx="8229600" cy="4525963"/>
@@ -2650,37 +3438,51 @@
           </a:bodyPr>
           <a:lstStyle/>
           <a:p>
-            <a:pPr lvl="0"/>
-            <a:r>
-              <a:rPr lang="en-US" smtClean="0"/>
+            <a:pPr lvl="0">
+              <a:defRPr/>
+            </a:pPr>
+            <a:r>
+              <a:rPr lang="en-US"/>
               <a:t>Click to edit Master text styles</a:t>
             </a:r>
-          </a:p>
-          <a:p>
-            <a:pPr lvl="1"/>
-            <a:r>
-              <a:rPr lang="en-US" smtClean="0"/>
+            <a:endParaRPr/>
+          </a:p>
+          <a:p>
+            <a:pPr lvl="1">
+              <a:defRPr/>
+            </a:pPr>
+            <a:r>
+              <a:rPr lang="en-US"/>
               <a:t>Second level</a:t>
             </a:r>
-          </a:p>
-          <a:p>
-            <a:pPr lvl="2"/>
-            <a:r>
-              <a:rPr lang="en-US" smtClean="0"/>
+            <a:endParaRPr/>
+          </a:p>
+          <a:p>
+            <a:pPr lvl="2">
+              <a:defRPr/>
+            </a:pPr>
+            <a:r>
+              <a:rPr lang="en-US"/>
               <a:t>Third level</a:t>
             </a:r>
-          </a:p>
-          <a:p>
-            <a:pPr lvl="3"/>
-            <a:r>
-              <a:rPr lang="en-US" smtClean="0"/>
+            <a:endParaRPr/>
+          </a:p>
+          <a:p>
+            <a:pPr lvl="3">
+              <a:defRPr/>
+            </a:pPr>
+            <a:r>
+              <a:rPr lang="en-US"/>
               <a:t>Fourth level</a:t>
             </a:r>
-          </a:p>
-          <a:p>
-            <a:pPr lvl="4"/>
-            <a:r>
-              <a:rPr lang="en-US" smtClean="0"/>
+            <a:endParaRPr/>
+          </a:p>
+          <a:p>
+            <a:pPr lvl="4">
+              <a:defRPr/>
+            </a:pPr>
+            <a:r>
+              <a:rPr lang="en-US"/>
               <a:t>Fifth level</a:t>
             </a:r>
             <a:endParaRPr lang="en-US"/>
@@ -2689,7 +3491,7 @@
       </p:sp>
       <p:sp>
         <p:nvSpPr>
-          <p:cNvPr id="4" name="Date Placeholder 3"/>
+          <p:cNvPr id="1103540096" name="Date Placeholder 3"/>
           <p:cNvSpPr>
             <a:spLocks noGrp="1"/>
           </p:cNvSpPr>
@@ -2697,7 +3499,7 @@
             <p:ph type="dt" sz="half" idx="2"/>
           </p:nvPr>
         </p:nvSpPr>
-        <p:spPr>
+        <p:spPr bwMode="auto">
           <a:xfrm>
             <a:off x="457200" y="6356350"/>
             <a:ext cx="2133600" cy="365125"/>
@@ -2720,8 +3522,11 @@
             </a:lvl1pPr>
           </a:lstStyle>
           <a:p>
+            <a:pPr>
+              <a:defRPr/>
+            </a:pPr>
             <a:fld id="{5BCAD085-E8A6-8845-BD4E-CB4CCA059FC4}" type="datetimeFigureOut">
-              <a:rPr lang="en-US" smtClean="0"/>
+              <a:rPr lang="en-US"/>
               <a:t>1/27/13</a:t>
             </a:fld>
             <a:endParaRPr lang="en-US"/>
@@ -2730,7 +3535,7 @@
       </p:sp>
       <p:sp>
         <p:nvSpPr>
-          <p:cNvPr id="5" name="Footer Placeholder 4"/>
+          <p:cNvPr id="797885616" name="Footer Placeholder 4"/>
           <p:cNvSpPr>
             <a:spLocks noGrp="1"/>
           </p:cNvSpPr>
@@ -2738,7 +3543,7 @@
             <p:ph type="ftr" sz="quarter" idx="3"/>
           </p:nvPr>
         </p:nvSpPr>
-        <p:spPr>
+        <p:spPr bwMode="auto">
           <a:xfrm>
             <a:off x="3124200" y="6356350"/>
             <a:ext cx="2895600" cy="365125"/>
@@ -2761,13 +3566,16 @@
             </a:lvl1pPr>
           </a:lstStyle>
           <a:p>
-            <a:endParaRPr lang="en-US"/>
-          </a:p>
-        </p:txBody>
-      </p:sp>
-      <p:sp>
-        <p:nvSpPr>
-          <p:cNvPr id="6" name="Slide Number Placeholder 5"/>
+            <a:pPr>
+              <a:defRPr/>
+            </a:pPr>
+            <a:endParaRPr lang="en-US"/>
+          </a:p>
+        </p:txBody>
+      </p:sp>
+      <p:sp>
+        <p:nvSpPr>
+          <p:cNvPr id="745192775" name="Slide Number Placeholder 5"/>
           <p:cNvSpPr>
             <a:spLocks noGrp="1"/>
           </p:cNvSpPr>
@@ -2775,7 +3583,7 @@
             <p:ph type="sldNum" sz="quarter" idx="4"/>
           </p:nvPr>
         </p:nvSpPr>
-        <p:spPr>
+        <p:spPr bwMode="auto">
           <a:xfrm>
             <a:off x="6553200" y="6356350"/>
             <a:ext cx="2133600" cy="365125"/>
@@ -2798,8 +3606,11 @@
             </a:lvl1pPr>
           </a:lstStyle>
           <a:p>
+            <a:pPr>
+              <a:defRPr/>
+            </a:pPr>
             <a:fld id="{C1FF6DA9-008F-8B48-92A6-B652298478BF}" type="slidenum">
-              <a:rPr lang="en-US" smtClean="0"/>
+              <a:rPr lang="en-US"/>
               <a:t>‹#›</a:t>
             </a:fld>
             <a:endParaRPr lang="en-US"/>
@@ -2807,11 +3618,6 @@
         </p:txBody>
       </p:sp>
     </p:spTree>
-    <p:extLst>
-      <p:ext uri="{BB962C8B-B14F-4D97-AF65-F5344CB8AC3E}">
-        <p14:creationId xmlns:p14="http://schemas.microsoft.com/office/powerpoint/2010/main" val="2209977519"/>
-      </p:ext>
-    </p:extLst>
   </p:cSld>
   <p:clrMap bg1="lt1" tx1="dk1" bg2="lt2" tx2="dk2" accent1="accent1" accent2="accent2" accent3="accent3" accent4="accent4" accent5="accent5" accent6="accent6" hlink="hlink" folHlink="folHlink"/>
   <p:sldLayoutIdLst>
@@ -2829,12 +3635,12 @@
   </p:sldLayoutIdLst>
   <p:txStyles>
     <p:titleStyle>
-      <a:lvl1pPr algn="ctr" defTabSz="457200" rtl="0" eaLnBrk="1" latinLnBrk="0" hangingPunct="1">
+      <a:lvl1pPr algn="ctr" defTabSz="457200" rtl="0">
         <a:spcBef>
-          <a:spcPct val="0"/>
+          <a:spcPts val="0"/>
         </a:spcBef>
         <a:buNone/>
-        <a:defRPr sz="4400" kern="1200">
+        <a:defRPr sz="4400">
           <a:solidFill>
             <a:schemeClr val="tx1"/>
           </a:solidFill>
@@ -2845,13 +3651,13 @@
       </a:lvl1pPr>
     </p:titleStyle>
     <p:bodyStyle>
-      <a:lvl1pPr marL="342900" indent="-342900" algn="l" defTabSz="457200" rtl="0" eaLnBrk="1" latinLnBrk="0" hangingPunct="1">
+      <a:lvl1pPr marL="342900" indent="-342900" algn="l" defTabSz="457200" rtl="0">
         <a:spcBef>
-          <a:spcPct val="20000"/>
+          <a:spcPts val="0"/>
         </a:spcBef>
         <a:buFont typeface="Arial"/>
         <a:buChar char="•"/>
-        <a:defRPr sz="3200" kern="1200">
+        <a:defRPr sz="3200">
           <a:solidFill>
             <a:schemeClr val="tx1"/>
           </a:solidFill>
@@ -2860,13 +3666,13 @@
           <a:cs typeface="+mn-cs"/>
         </a:defRPr>
       </a:lvl1pPr>
-      <a:lvl2pPr marL="742950" indent="-285750" algn="l" defTabSz="457200" rtl="0" eaLnBrk="1" latinLnBrk="0" hangingPunct="1">
+      <a:lvl2pPr marL="742950" indent="-285750" algn="l" defTabSz="457200" rtl="0">
         <a:spcBef>
-          <a:spcPct val="20000"/>
+          <a:spcPts val="0"/>
         </a:spcBef>
         <a:buFont typeface="Arial"/>
         <a:buChar char="–"/>
-        <a:defRPr sz="2800" kern="1200">
+        <a:defRPr sz="2800">
           <a:solidFill>
             <a:schemeClr val="tx1"/>
           </a:solidFill>
@@ -2875,13 +3681,13 @@
           <a:cs typeface="+mn-cs"/>
         </a:defRPr>
       </a:lvl2pPr>
-      <a:lvl3pPr marL="1143000" indent="-228600" algn="l" defTabSz="457200" rtl="0" eaLnBrk="1" latinLnBrk="0" hangingPunct="1">
+      <a:lvl3pPr marL="1143000" indent="-228600" algn="l" defTabSz="457200" rtl="0">
         <a:spcBef>
-          <a:spcPct val="20000"/>
+          <a:spcPts val="0"/>
         </a:spcBef>
         <a:buFont typeface="Arial"/>
         <a:buChar char="•"/>
-        <a:defRPr sz="2400" kern="1200">
+        <a:defRPr sz="2400">
           <a:solidFill>
             <a:schemeClr val="tx1"/>
           </a:solidFill>
@@ -2890,13 +3696,13 @@
           <a:cs typeface="+mn-cs"/>
         </a:defRPr>
       </a:lvl3pPr>
-      <a:lvl4pPr marL="1600200" indent="-228600" algn="l" defTabSz="457200" rtl="0" eaLnBrk="1" latinLnBrk="0" hangingPunct="1">
+      <a:lvl4pPr marL="1600200" indent="-228600" algn="l" defTabSz="457200" rtl="0">
         <a:spcBef>
-          <a:spcPct val="20000"/>
+          <a:spcPts val="0"/>
         </a:spcBef>
         <a:buFont typeface="Arial"/>
         <a:buChar char="–"/>
-        <a:defRPr sz="2000" kern="1200">
+        <a:defRPr sz="2000">
           <a:solidFill>
             <a:schemeClr val="tx1"/>
           </a:solidFill>
@@ -2905,13 +3711,13 @@
           <a:cs typeface="+mn-cs"/>
         </a:defRPr>
       </a:lvl4pPr>
-      <a:lvl5pPr marL="2057400" indent="-228600" algn="l" defTabSz="457200" rtl="0" eaLnBrk="1" latinLnBrk="0" hangingPunct="1">
+      <a:lvl5pPr marL="2057400" indent="-228600" algn="l" defTabSz="457200" rtl="0">
         <a:spcBef>
-          <a:spcPct val="20000"/>
+          <a:spcPts val="0"/>
         </a:spcBef>
         <a:buFont typeface="Arial"/>
         <a:buChar char="»"/>
-        <a:defRPr sz="2000" kern="1200">
+        <a:defRPr sz="2000">
           <a:solidFill>
             <a:schemeClr val="tx1"/>
           </a:solidFill>
@@ -2920,13 +3726,13 @@
           <a:cs typeface="+mn-cs"/>
         </a:defRPr>
       </a:lvl5pPr>
-      <a:lvl6pPr marL="2514600" indent="-228600" algn="l" defTabSz="457200" rtl="0" eaLnBrk="1" latinLnBrk="0" hangingPunct="1">
+      <a:lvl6pPr marL="2514600" indent="-228600" algn="l" defTabSz="457200" rtl="0">
         <a:spcBef>
-          <a:spcPct val="20000"/>
+          <a:spcPts val="0"/>
         </a:spcBef>
         <a:buFont typeface="Arial"/>
         <a:buChar char="•"/>
-        <a:defRPr sz="2000" kern="1200">
+        <a:defRPr sz="2000">
           <a:solidFill>
             <a:schemeClr val="tx1"/>
           </a:solidFill>
@@ -2935,13 +3741,13 @@
           <a:cs typeface="+mn-cs"/>
         </a:defRPr>
       </a:lvl6pPr>
-      <a:lvl7pPr marL="2971800" indent="-228600" algn="l" defTabSz="457200" rtl="0" eaLnBrk="1" latinLnBrk="0" hangingPunct="1">
+      <a:lvl7pPr marL="2971800" indent="-228600" algn="l" defTabSz="457200" rtl="0">
         <a:spcBef>
-          <a:spcPct val="20000"/>
+          <a:spcPts val="0"/>
         </a:spcBef>
         <a:buFont typeface="Arial"/>
         <a:buChar char="•"/>
-        <a:defRPr sz="2000" kern="1200">
+        <a:defRPr sz="2000">
           <a:solidFill>
             <a:schemeClr val="tx1"/>
           </a:solidFill>
@@ -2950,13 +3756,13 @@
           <a:cs typeface="+mn-cs"/>
         </a:defRPr>
       </a:lvl7pPr>
-      <a:lvl8pPr marL="3429000" indent="-228600" algn="l" defTabSz="457200" rtl="0" eaLnBrk="1" latinLnBrk="0" hangingPunct="1">
+      <a:lvl8pPr marL="3429000" indent="-228600" algn="l" defTabSz="457200" rtl="0">
         <a:spcBef>
-          <a:spcPct val="20000"/>
+          <a:spcPts val="0"/>
         </a:spcBef>
         <a:buFont typeface="Arial"/>
         <a:buChar char="•"/>
-        <a:defRPr sz="2000" kern="1200">
+        <a:defRPr sz="2000">
           <a:solidFill>
             <a:schemeClr val="tx1"/>
           </a:solidFill>
@@ -2965,13 +3771,13 @@
           <a:cs typeface="+mn-cs"/>
         </a:defRPr>
       </a:lvl8pPr>
-      <a:lvl9pPr marL="3886200" indent="-228600" algn="l" defTabSz="457200" rtl="0" eaLnBrk="1" latinLnBrk="0" hangingPunct="1">
+      <a:lvl9pPr marL="3886200" indent="-228600" algn="l" defTabSz="457200" rtl="0">
         <a:spcBef>
-          <a:spcPct val="20000"/>
+          <a:spcPts val="0"/>
         </a:spcBef>
         <a:buFont typeface="Arial"/>
         <a:buChar char="•"/>
-        <a:defRPr sz="2000" kern="1200">
+        <a:defRPr sz="2000">
           <a:solidFill>
             <a:schemeClr val="tx1"/>
           </a:solidFill>
@@ -2985,8 +3791,8 @@
       <a:defPPr>
         <a:defRPr lang="en-US"/>
       </a:defPPr>
-      <a:lvl1pPr marL="0" algn="l" defTabSz="457200" rtl="0" eaLnBrk="1" latinLnBrk="0" hangingPunct="1">
-        <a:defRPr sz="1800" kern="1200">
+      <a:lvl1pPr marL="0" algn="l" defTabSz="457200" rtl="0">
+        <a:defRPr sz="1800">
           <a:solidFill>
             <a:schemeClr val="tx1"/>
           </a:solidFill>
@@ -2995,8 +3801,8 @@
           <a:cs typeface="+mn-cs"/>
         </a:defRPr>
       </a:lvl1pPr>
-      <a:lvl2pPr marL="457200" algn="l" defTabSz="457200" rtl="0" eaLnBrk="1" latinLnBrk="0" hangingPunct="1">
-        <a:defRPr sz="1800" kern="1200">
+      <a:lvl2pPr marL="457200" algn="l" defTabSz="457200" rtl="0">
+        <a:defRPr sz="1800">
           <a:solidFill>
             <a:schemeClr val="tx1"/>
           </a:solidFill>
@@ -3005,8 +3811,8 @@
           <a:cs typeface="+mn-cs"/>
         </a:defRPr>
       </a:lvl2pPr>
-      <a:lvl3pPr marL="914400" algn="l" defTabSz="457200" rtl="0" eaLnBrk="1" latinLnBrk="0" hangingPunct="1">
-        <a:defRPr sz="1800" kern="1200">
+      <a:lvl3pPr marL="914400" algn="l" defTabSz="457200" rtl="0">
+        <a:defRPr sz="1800">
           <a:solidFill>
             <a:schemeClr val="tx1"/>
           </a:solidFill>
@@ -3015,8 +3821,8 @@
           <a:cs typeface="+mn-cs"/>
         </a:defRPr>
       </a:lvl3pPr>
-      <a:lvl4pPr marL="1371600" algn="l" defTabSz="457200" rtl="0" eaLnBrk="1" latinLnBrk="0" hangingPunct="1">
-        <a:defRPr sz="1800" kern="1200">
+      <a:lvl4pPr marL="1371600" algn="l" defTabSz="457200" rtl="0">
+        <a:defRPr sz="1800">
           <a:solidFill>
             <a:schemeClr val="tx1"/>
           </a:solidFill>
@@ -3025,8 +3831,8 @@
           <a:cs typeface="+mn-cs"/>
         </a:defRPr>
       </a:lvl4pPr>
-      <a:lvl5pPr marL="1828800" algn="l" defTabSz="457200" rtl="0" eaLnBrk="1" latinLnBrk="0" hangingPunct="1">
-        <a:defRPr sz="1800" kern="1200">
+      <a:lvl5pPr marL="1828800" algn="l" defTabSz="457200" rtl="0">
+        <a:defRPr sz="1800">
           <a:solidFill>
             <a:schemeClr val="tx1"/>
           </a:solidFill>
@@ -3035,8 +3841,8 @@
           <a:cs typeface="+mn-cs"/>
         </a:defRPr>
       </a:lvl5pPr>
-      <a:lvl6pPr marL="2286000" algn="l" defTabSz="457200" rtl="0" eaLnBrk="1" latinLnBrk="0" hangingPunct="1">
-        <a:defRPr sz="1800" kern="1200">
+      <a:lvl6pPr marL="2286000" algn="l" defTabSz="457200" rtl="0">
+        <a:defRPr sz="1800">
           <a:solidFill>
             <a:schemeClr val="tx1"/>
           </a:solidFill>
@@ -3045,8 +3851,8 @@
           <a:cs typeface="+mn-cs"/>
         </a:defRPr>
       </a:lvl6pPr>
-      <a:lvl7pPr marL="2743200" algn="l" defTabSz="457200" rtl="0" eaLnBrk="1" latinLnBrk="0" hangingPunct="1">
-        <a:defRPr sz="1800" kern="1200">
+      <a:lvl7pPr marL="2743200" algn="l" defTabSz="457200" rtl="0">
+        <a:defRPr sz="1800">
           <a:solidFill>
             <a:schemeClr val="tx1"/>
           </a:solidFill>
@@ -3055,8 +3861,8 @@
           <a:cs typeface="+mn-cs"/>
         </a:defRPr>
       </a:lvl7pPr>
-      <a:lvl8pPr marL="3200400" algn="l" defTabSz="457200" rtl="0" eaLnBrk="1" latinLnBrk="0" hangingPunct="1">
-        <a:defRPr sz="1800" kern="1200">
+      <a:lvl8pPr marL="3200400" algn="l" defTabSz="457200" rtl="0">
+        <a:defRPr sz="1800">
           <a:solidFill>
             <a:schemeClr val="tx1"/>
           </a:solidFill>
@@ -3065,8 +3871,8 @@
           <a:cs typeface="+mn-cs"/>
         </a:defRPr>
       </a:lvl8pPr>
-      <a:lvl9pPr marL="3657600" algn="l" defTabSz="457200" rtl="0" eaLnBrk="1" latinLnBrk="0" hangingPunct="1">
-        <a:defRPr sz="1800" kern="1200">
+      <a:lvl9pPr marL="3657600" algn="l" defTabSz="457200" rtl="0">
+        <a:defRPr sz="1800">
           <a:solidFill>
             <a:schemeClr val="tx1"/>
           </a:solidFill>
@@ -3081,18 +3887,25 @@
 </file>
 
 <file path=ppt/slides/slide1.xml><?xml version="1.0" encoding="utf-8"?>
-<p:sld xmlns:a="http://schemas.openxmlformats.org/drawingml/2006/main" xmlns:p="http://schemas.openxmlformats.org/presentationml/2006/main" xmlns:r="http://schemas.openxmlformats.org/officeDocument/2006/relationships">
-  <p:cSld>
+<p:sld xmlns:a="http://schemas.openxmlformats.org/drawingml/2006/main" xmlns:r="http://schemas.openxmlformats.org/officeDocument/2006/relationships" xmlns:p="http://schemas.openxmlformats.org/presentationml/2006/main" xmlns:m="http://schemas.openxmlformats.org/officeDocument/2006/math" xmlns:w="http://schemas.openxmlformats.org/wordprocessingml/2006/main" xmlns:mc="http://schemas.openxmlformats.org/markup-compatibility/2006" showMasterPhAnim="0" showMasterSp="1" show="1">
+  <p:cSld name="">
     <p:spTree>
       <p:nvGrpSpPr>
         <p:cNvPr id="1" name=""/>
         <p:cNvGrpSpPr/>
         <p:nvPr/>
       </p:nvGrpSpPr>
-      <p:grpSpPr/>
-      <p:sp>
-        <p:nvSpPr>
-          <p:cNvPr id="2" name="Title 1"/>
+      <p:grpSpPr bwMode="auto">
+        <a:xfrm>
+          <a:off x="0" y="0"/>
+          <a:ext cx="0" cy="0"/>
+          <a:chOff x="0" y="0"/>
+          <a:chExt cx="0" cy="0"/>
+        </a:xfrm>
+      </p:grpSpPr>
+      <p:sp>
+        <p:nvSpPr>
+          <p:cNvPr id="1334522918" name="Title 1"/>
           <p:cNvSpPr>
             <a:spLocks noGrp="1"/>
           </p:cNvSpPr>
@@ -3100,20 +3913,25 @@
             <p:ph type="ctrTitle"/>
           </p:nvPr>
         </p:nvSpPr>
-        <p:spPr/>
-        <p:txBody>
-          <a:bodyPr/>
-          <a:lstStyle/>
-          <a:p>
-            <a:r>
+        <p:spPr bwMode="auto"/>
+        <p:txBody>
+          <a:bodyPr/>
+          <a:lstStyle/>
+          <a:p>
+            <a:pPr>
+              <a:defRPr/>
+            </a:pPr>
+            <a:r>
+              <a:rPr/>
               <a:t>Introdução à Internet das Coisas e TinyML</a:t>
             </a:r>
-          </a:p>
-        </p:txBody>
-      </p:sp>
-      <p:sp>
-        <p:nvSpPr>
-          <p:cNvPr id="3" name="Subtitle 2"/>
+            <a:endParaRPr/>
+          </a:p>
+        </p:txBody>
+      </p:sp>
+      <p:sp>
+        <p:nvSpPr>
+          <p:cNvPr id="1691457869" name="Subtitle 2"/>
           <p:cNvSpPr>
             <a:spLocks noGrp="1"/>
           </p:cNvSpPr>
@@ -3121,19 +3939,33 @@
             <p:ph type="subTitle" idx="1"/>
           </p:nvPr>
         </p:nvSpPr>
-        <p:spPr/>
-        <p:txBody>
-          <a:bodyPr/>
-          <a:lstStyle/>
-          <a:p>
-            <a:r>
-              <a:t>Mestrado em Computação - UFC</a:t>
-            </a:r>
-          </a:p>
-          <a:p>
-            <a:r>
+        <p:spPr bwMode="auto"/>
+        <p:txBody>
+          <a:bodyPr/>
+          <a:lstStyle/>
+          <a:p>
+            <a:pPr>
+              <a:defRPr/>
+            </a:pPr>
+            <a:r>
+              <a:rPr/>
+              <a:t>Mestrado em Computação - </a:t>
+            </a:r>
+            <a:r>
+              <a:rPr lang="pt-BR"/>
+              <a:t>IFCE</a:t>
+            </a:r>
+            <a:endParaRPr/>
+          </a:p>
+          <a:p>
+            <a:pPr>
+              <a:defRPr/>
+            </a:pPr>
+            <a:r>
+              <a:rPr/>
               <a:t>Prof. Rafael Braga</a:t>
             </a:r>
+            <a:endParaRPr/>
           </a:p>
         </p:txBody>
       </p:sp>
@@ -3142,22 +3974,37 @@
   <p:clrMapOvr>
     <a:masterClrMapping/>
   </p:clrMapOvr>
+  <mc:AlternateContent xmlns:mc="http://schemas.openxmlformats.org/markup-compatibility/2006">
+    <mc:Choice xmlns:p159="http://schemas.microsoft.com/office/powerpoint/2015/09/main" xmlns:p14="http://schemas.microsoft.com/office/powerpoint/2010/main" Requires="p159">
+      <p:transition p14:dur="2000" advClick="1"/>
+    </mc:Choice>
+    <mc:Fallback>
+      <p:transition advClick="1"/>
+    </mc:Fallback>
+  </mc:AlternateContent>
 </p:sld>
 </file>
 
 <file path=ppt/slides/slide2.xml><?xml version="1.0" encoding="utf-8"?>
-<p:sld xmlns:a="http://schemas.openxmlformats.org/drawingml/2006/main" xmlns:p="http://schemas.openxmlformats.org/presentationml/2006/main" xmlns:r="http://schemas.openxmlformats.org/officeDocument/2006/relationships">
-  <p:cSld>
+<p:sld xmlns:a="http://schemas.openxmlformats.org/drawingml/2006/main" xmlns:r="http://schemas.openxmlformats.org/officeDocument/2006/relationships" xmlns:p="http://schemas.openxmlformats.org/presentationml/2006/main" xmlns:m="http://schemas.openxmlformats.org/officeDocument/2006/math" xmlns:w="http://schemas.openxmlformats.org/wordprocessingml/2006/main" xmlns:mc="http://schemas.openxmlformats.org/markup-compatibility/2006" showMasterPhAnim="0" showMasterSp="1" show="1">
+  <p:cSld name="">
     <p:spTree>
       <p:nvGrpSpPr>
         <p:cNvPr id="1" name=""/>
         <p:cNvGrpSpPr/>
         <p:nvPr/>
       </p:nvGrpSpPr>
-      <p:grpSpPr/>
-      <p:sp>
-        <p:nvSpPr>
-          <p:cNvPr id="2" name="Title 1"/>
+      <p:grpSpPr bwMode="auto">
+        <a:xfrm>
+          <a:off x="0" y="0"/>
+          <a:ext cx="0" cy="0"/>
+          <a:chOff x="0" y="0"/>
+          <a:chExt cx="0" cy="0"/>
+        </a:xfrm>
+      </p:grpSpPr>
+      <p:sp>
+        <p:nvSpPr>
+          <p:cNvPr id="57929080" name="Title 1"/>
           <p:cNvSpPr>
             <a:spLocks noGrp="1"/>
           </p:cNvSpPr>
@@ -3165,20 +4012,25 @@
             <p:ph type="title"/>
           </p:nvPr>
         </p:nvSpPr>
-        <p:spPr/>
-        <p:txBody>
-          <a:bodyPr/>
-          <a:lstStyle/>
-          <a:p>
-            <a:r>
+        <p:spPr bwMode="auto"/>
+        <p:txBody>
+          <a:bodyPr/>
+          <a:lstStyle/>
+          <a:p>
+            <a:pPr>
+              <a:defRPr/>
+            </a:pPr>
+            <a:r>
+              <a:rPr/>
               <a:t>Objetivos da Aula</a:t>
             </a:r>
-          </a:p>
-        </p:txBody>
-      </p:sp>
-      <p:sp>
-        <p:nvSpPr>
-          <p:cNvPr id="3" name="Content Placeholder 2"/>
+            <a:endParaRPr/>
+          </a:p>
+        </p:txBody>
+      </p:sp>
+      <p:sp>
+        <p:nvSpPr>
+          <p:cNvPr id="710379610" name="Content Placeholder 2"/>
           <p:cNvSpPr>
             <a:spLocks noGrp="1"/>
           </p:cNvSpPr>
@@ -3186,24 +4038,39 @@
             <p:ph idx="1"/>
           </p:nvPr>
         </p:nvSpPr>
-        <p:spPr/>
-        <p:txBody>
-          <a:bodyPr/>
-          <a:lstStyle/>
-          <a:p>
-            <a:r>
-              <a:t>• Apresentar os conceitos de IoT e TinyML</a:t>
-            </a:r>
-          </a:p>
-          <a:p>
-            <a:r>
-              <a:t>• Contextualizar aplicações</a:t>
-            </a:r>
-          </a:p>
-          <a:p>
-            <a:r>
-              <a:t>• Introduzir ferramentas</a:t>
-            </a:r>
+        <p:spPr bwMode="auto"/>
+        <p:txBody>
+          <a:bodyPr/>
+          <a:lstStyle/>
+          <a:p>
+            <a:pPr>
+              <a:defRPr/>
+            </a:pPr>
+            <a:r>
+              <a:rPr/>
+              <a:t>Apresentar os conceitos de IoT e TinyML</a:t>
+            </a:r>
+            <a:endParaRPr/>
+          </a:p>
+          <a:p>
+            <a:pPr>
+              <a:defRPr/>
+            </a:pPr>
+            <a:r>
+              <a:rPr/>
+              <a:t>Contextualizar aplicações</a:t>
+            </a:r>
+            <a:endParaRPr/>
+          </a:p>
+          <a:p>
+            <a:pPr>
+              <a:defRPr/>
+            </a:pPr>
+            <a:r>
+              <a:rPr/>
+              <a:t>Introduzir ferramentas</a:t>
+            </a:r>
+            <a:endParaRPr/>
           </a:p>
         </p:txBody>
       </p:sp>
@@ -3212,22 +4079,37 @@
   <p:clrMapOvr>
     <a:masterClrMapping/>
   </p:clrMapOvr>
+  <mc:AlternateContent xmlns:mc="http://schemas.openxmlformats.org/markup-compatibility/2006">
+    <mc:Choice xmlns:p159="http://schemas.microsoft.com/office/powerpoint/2015/09/main" xmlns:p14="http://schemas.microsoft.com/office/powerpoint/2010/main" Requires="p159">
+      <p:transition p14:dur="2000" advClick="1"/>
+    </mc:Choice>
+    <mc:Fallback>
+      <p:transition advClick="1"/>
+    </mc:Fallback>
+  </mc:AlternateContent>
 </p:sld>
 </file>
 
 <file path=ppt/slides/slide3.xml><?xml version="1.0" encoding="utf-8"?>
-<p:sld xmlns:a="http://schemas.openxmlformats.org/drawingml/2006/main" xmlns:p="http://schemas.openxmlformats.org/presentationml/2006/main" xmlns:r="http://schemas.openxmlformats.org/officeDocument/2006/relationships">
-  <p:cSld>
+<p:sld xmlns:a="http://schemas.openxmlformats.org/drawingml/2006/main" xmlns:r="http://schemas.openxmlformats.org/officeDocument/2006/relationships" xmlns:p="http://schemas.openxmlformats.org/presentationml/2006/main" xmlns:m="http://schemas.openxmlformats.org/officeDocument/2006/math" xmlns:w="http://schemas.openxmlformats.org/wordprocessingml/2006/main" xmlns:mc="http://schemas.openxmlformats.org/markup-compatibility/2006" showMasterPhAnim="0" showMasterSp="1" show="1">
+  <p:cSld name="">
     <p:spTree>
       <p:nvGrpSpPr>
         <p:cNvPr id="1" name=""/>
         <p:cNvGrpSpPr/>
         <p:nvPr/>
       </p:nvGrpSpPr>
-      <p:grpSpPr/>
-      <p:sp>
-        <p:nvSpPr>
-          <p:cNvPr id="2" name="Title 1"/>
+      <p:grpSpPr bwMode="auto">
+        <a:xfrm>
+          <a:off x="0" y="0"/>
+          <a:ext cx="0" cy="0"/>
+          <a:chOff x="0" y="0"/>
+          <a:chExt cx="0" cy="0"/>
+        </a:xfrm>
+      </p:grpSpPr>
+      <p:sp>
+        <p:nvSpPr>
+          <p:cNvPr id="870593839" name="Title 1"/>
           <p:cNvSpPr>
             <a:spLocks noGrp="1"/>
           </p:cNvSpPr>
@@ -3235,20 +4117,25 @@
             <p:ph type="title"/>
           </p:nvPr>
         </p:nvSpPr>
-        <p:spPr/>
-        <p:txBody>
-          <a:bodyPr/>
-          <a:lstStyle/>
-          <a:p>
-            <a:r>
+        <p:spPr bwMode="auto"/>
+        <p:txBody>
+          <a:bodyPr/>
+          <a:lstStyle/>
+          <a:p>
+            <a:pPr>
+              <a:defRPr/>
+            </a:pPr>
+            <a:r>
+              <a:rPr/>
               <a:t>Agenda</a:t>
             </a:r>
-          </a:p>
-        </p:txBody>
-      </p:sp>
-      <p:sp>
-        <p:nvSpPr>
-          <p:cNvPr id="3" name="Content Placeholder 2"/>
+            <a:endParaRPr/>
+          </a:p>
+        </p:txBody>
+      </p:sp>
+      <p:sp>
+        <p:nvSpPr>
+          <p:cNvPr id="785664465" name="Content Placeholder 2"/>
           <p:cNvSpPr>
             <a:spLocks noGrp="1"/>
           </p:cNvSpPr>
@@ -3256,30 +4143,55 @@
             <p:ph idx="1"/>
           </p:nvPr>
         </p:nvSpPr>
-        <p:spPr/>
-        <p:txBody>
-          <a:bodyPr/>
-          <a:lstStyle/>
-          <a:p/>
-          <a:p>
-            <a:r>
+        <p:spPr bwMode="auto"/>
+        <p:txBody>
+          <a:bodyPr/>
+          <a:lstStyle/>
+          <a:p>
+            <a:pPr>
+              <a:defRPr/>
+            </a:pPr>
+            <a:endParaRPr/>
+          </a:p>
+          <a:p>
+            <a:pPr>
+              <a:defRPr/>
+            </a:pPr>
+            <a:r>
+              <a:rPr/>
               <a:t>Definições de IoT</a:t>
             </a:r>
-          </a:p>
-          <a:p>
-            <a:r>
+            <a:endParaRPr/>
+          </a:p>
+          <a:p>
+            <a:pPr>
+              <a:defRPr/>
+            </a:pPr>
+            <a:r>
+              <a:rPr/>
               <a:t>Definições de TinyML</a:t>
             </a:r>
-          </a:p>
-          <a:p>
-            <a:r>
+            <a:endParaRPr/>
+          </a:p>
+          <a:p>
+            <a:pPr>
+              <a:defRPr/>
+            </a:pPr>
+            <a:r>
+              <a:rPr/>
               <a:t>Exemplos de Aplicações</a:t>
             </a:r>
-          </a:p>
-          <a:p>
-            <a:r>
+            <a:endParaRPr/>
+          </a:p>
+          <a:p>
+            <a:pPr>
+              <a:defRPr/>
+            </a:pPr>
+            <a:r>
+              <a:rPr/>
               <a:t>Discussão e Atividade Prática</a:t>
             </a:r>
+            <a:endParaRPr/>
           </a:p>
         </p:txBody>
       </p:sp>
@@ -3288,11 +4200,19 @@
   <p:clrMapOvr>
     <a:masterClrMapping/>
   </p:clrMapOvr>
+  <mc:AlternateContent xmlns:mc="http://schemas.openxmlformats.org/markup-compatibility/2006">
+    <mc:Choice xmlns:p159="http://schemas.microsoft.com/office/powerpoint/2015/09/main" xmlns:p14="http://schemas.microsoft.com/office/powerpoint/2010/main" Requires="p159">
+      <p:transition p14:dur="2000" advClick="1"/>
+    </mc:Choice>
+    <mc:Fallback>
+      <p:transition advClick="1"/>
+    </mc:Fallback>
+  </mc:AlternateContent>
 </p:sld>
 </file>
 
 <file path=ppt/theme/theme1.xml><?xml version="1.0" encoding="utf-8"?>
-<a:theme xmlns:a="http://schemas.openxmlformats.org/drawingml/2006/main" name="Office Theme">
+<a:theme xmlns:a="http://schemas.openxmlformats.org/drawingml/2006/main" xmlns:r="http://schemas.openxmlformats.org/officeDocument/2006/relationships" xmlns:p="http://schemas.openxmlformats.org/presentationml/2006/main" name="Office Theme">
   <a:themeElements>
     <a:clrScheme name="Office">
       <a:dk1>
@@ -3335,73 +4255,13 @@
     <a:fontScheme name="Office">
       <a:majorFont>
         <a:latin typeface="Calibri"/>
-        <a:ea typeface=""/>
-        <a:cs typeface=""/>
-        <a:font script="Jpan" typeface="ＭＳ Ｐゴシック"/>
-        <a:font script="Hang" typeface="맑은 고딕"/>
-        <a:font script="Hans" typeface="宋体"/>
-        <a:font script="Hant" typeface="新細明體"/>
-        <a:font script="Arab" typeface="Times New Roman"/>
-        <a:font script="Hebr" typeface="Times New Roman"/>
-        <a:font script="Thai" typeface="Angsana New"/>
-        <a:font script="Ethi" typeface="Nyala"/>
-        <a:font script="Beng" typeface="Vrinda"/>
-        <a:font script="Gujr" typeface="Shruti"/>
-        <a:font script="Khmr" typeface="MoolBoran"/>
-        <a:font script="Knda" typeface="Tunga"/>
-        <a:font script="Guru" typeface="Raavi"/>
-        <a:font script="Cans" typeface="Euphemia"/>
-        <a:font script="Cher" typeface="Plantagenet Cherokee"/>
-        <a:font script="Yiii" typeface="Microsoft Yi Baiti"/>
-        <a:font script="Tibt" typeface="Microsoft Himalaya"/>
-        <a:font script="Thaa" typeface="MV Boli"/>
-        <a:font script="Deva" typeface="Mangal"/>
-        <a:font script="Telu" typeface="Gautami"/>
-        <a:font script="Taml" typeface="Latha"/>
-        <a:font script="Syrc" typeface="Estrangelo Edessa"/>
-        <a:font script="Orya" typeface="Kalinga"/>
-        <a:font script="Mlym" typeface="Kartika"/>
-        <a:font script="Laoo" typeface="DokChampa"/>
-        <a:font script="Sinh" typeface="Iskoola Pota"/>
-        <a:font script="Mong" typeface="Mongolian Baiti"/>
-        <a:font script="Viet" typeface="Times New Roman"/>
-        <a:font script="Uigh" typeface="Microsoft Uighur"/>
-        <a:font script="Geor" typeface="Sylfaen"/>
+        <a:ea typeface="Arial"/>
+        <a:cs typeface="Arial"/>
       </a:majorFont>
       <a:minorFont>
         <a:latin typeface="Calibri"/>
-        <a:ea typeface=""/>
-        <a:cs typeface=""/>
-        <a:font script="Jpan" typeface="ＭＳ Ｐゴシック"/>
-        <a:font script="Hang" typeface="맑은 고딕"/>
-        <a:font script="Hans" typeface="宋体"/>
-        <a:font script="Hant" typeface="新細明體"/>
-        <a:font script="Arab" typeface="Arial"/>
-        <a:font script="Hebr" typeface="Arial"/>
-        <a:font script="Thai" typeface="Cordia New"/>
-        <a:font script="Ethi" typeface="Nyala"/>
-        <a:font script="Beng" typeface="Vrinda"/>
-        <a:font script="Gujr" typeface="Shruti"/>
-        <a:font script="Khmr" typeface="DaunPenh"/>
-        <a:font script="Knda" typeface="Tunga"/>
-        <a:font script="Guru" typeface="Raavi"/>
-        <a:font script="Cans" typeface="Euphemia"/>
-        <a:font script="Cher" typeface="Plantagenet Cherokee"/>
-        <a:font script="Yiii" typeface="Microsoft Yi Baiti"/>
-        <a:font script="Tibt" typeface="Microsoft Himalaya"/>
-        <a:font script="Thaa" typeface="MV Boli"/>
-        <a:font script="Deva" typeface="Mangal"/>
-        <a:font script="Telu" typeface="Gautami"/>
-        <a:font script="Taml" typeface="Latha"/>
-        <a:font script="Syrc" typeface="Estrangelo Edessa"/>
-        <a:font script="Orya" typeface="Kalinga"/>
-        <a:font script="Mlym" typeface="Kartika"/>
-        <a:font script="Laoo" typeface="DokChampa"/>
-        <a:font script="Sinh" typeface="Iskoola Pota"/>
-        <a:font script="Mong" typeface="Mongolian Baiti"/>
-        <a:font script="Viet" typeface="Arial"/>
-        <a:font script="Uigh" typeface="Microsoft Uighur"/>
-        <a:font script="Geor" typeface="Sylfaen"/>
+        <a:ea typeface="Arial"/>
+        <a:cs typeface="Arial"/>
       </a:minorFont>
     </a:fontScheme>
     <a:fmtScheme name="Office">
@@ -3409,7 +4269,7 @@
         <a:solidFill>
           <a:schemeClr val="phClr"/>
         </a:solidFill>
-        <a:gradFill rotWithShape="1">
+        <a:gradFill>
           <a:gsLst>
             <a:gs pos="0">
               <a:schemeClr val="phClr">
@@ -3432,7 +4292,7 @@
           </a:gsLst>
           <a:lin ang="16200000" scaled="1"/>
         </a:gradFill>
-        <a:gradFill rotWithShape="1">
+        <a:gradFill>
           <a:gsLst>
             <a:gs pos="0">
               <a:schemeClr val="phClr">
@@ -3519,7 +4379,7 @@
         <a:solidFill>
           <a:schemeClr val="phClr"/>
         </a:solidFill>
-        <a:gradFill rotWithShape="1">
+        <a:gradFill>
           <a:gsLst>
             <a:gs pos="0">
               <a:schemeClr val="phClr">
@@ -3541,11 +4401,9 @@
               </a:schemeClr>
             </a:gs>
           </a:gsLst>
-          <a:path path="circle">
-            <a:fillToRect l="50000" t="-80000" r="50000" b="180000"/>
-          </a:path>
+          <a:path path="circle"/>
         </a:gradFill>
-        <a:gradFill rotWithShape="1">
+        <a:gradFill>
           <a:gsLst>
             <a:gs pos="0">
               <a:schemeClr val="phClr">
@@ -3560,16 +4418,14 @@
               </a:schemeClr>
             </a:gs>
           </a:gsLst>
-          <a:path path="circle">
-            <a:fillToRect l="50000" t="50000" r="50000" b="50000"/>
-          </a:path>
+          <a:path path="circle"/>
         </a:gradFill>
       </a:bgFillStyleLst>
     </a:fmtScheme>
   </a:themeElements>
   <a:objectDefaults>
     <a:spDef>
-      <a:spPr/>
+      <a:spPr bwMode="auto"/>
       <a:bodyPr/>
       <a:lstStyle/>
       <a:style>
@@ -3588,7 +4444,7 @@
       </a:style>
     </a:spDef>
     <a:lnDef>
-      <a:spPr/>
+      <a:spPr bwMode="auto"/>
       <a:bodyPr/>
       <a:lstStyle/>
       <a:style>
@@ -3607,6 +4463,260 @@
       </a:style>
     </a:lnDef>
   </a:objectDefaults>
-  <a:extraClrSchemeLst/>
+</a:theme>
+</file>
+
+<file path=ppt/theme/theme2.xml><?xml version="1.0" encoding="utf-8"?>
+<a:theme xmlns:a="http://schemas.openxmlformats.org/drawingml/2006/main" xmlns:r="http://schemas.openxmlformats.org/officeDocument/2006/relationships" xmlns:p="http://schemas.openxmlformats.org/presentationml/2006/main" name="Office Theme">
+  <a:themeElements>
+    <a:clrScheme name="Office">
+      <a:dk1>
+        <a:sysClr val="windowText" lastClr="000000"/>
+      </a:dk1>
+      <a:lt1>
+        <a:sysClr val="window" lastClr="FFFFFF"/>
+      </a:lt1>
+      <a:dk2>
+        <a:srgbClr val="1F497D"/>
+      </a:dk2>
+      <a:lt2>
+        <a:srgbClr val="EEECE1"/>
+      </a:lt2>
+      <a:accent1>
+        <a:srgbClr val="4F81BD"/>
+      </a:accent1>
+      <a:accent2>
+        <a:srgbClr val="C0504D"/>
+      </a:accent2>
+      <a:accent3>
+        <a:srgbClr val="9BBB59"/>
+      </a:accent3>
+      <a:accent4>
+        <a:srgbClr val="8064A2"/>
+      </a:accent4>
+      <a:accent5>
+        <a:srgbClr val="4BACC6"/>
+      </a:accent5>
+      <a:accent6>
+        <a:srgbClr val="F79646"/>
+      </a:accent6>
+      <a:hlink>
+        <a:srgbClr val="0000FF"/>
+      </a:hlink>
+      <a:folHlink>
+        <a:srgbClr val="800080"/>
+      </a:folHlink>
+    </a:clrScheme>
+    <a:fontScheme name="">
+      <a:majorFont>
+        <a:latin typeface="Calibri"/>
+        <a:ea typeface="Arial"/>
+        <a:cs typeface="Arial"/>
+      </a:majorFont>
+      <a:minorFont>
+        <a:latin typeface="Calibri"/>
+        <a:ea typeface="Arial"/>
+        <a:cs typeface="Arial"/>
+      </a:minorFont>
+    </a:fontScheme>
+    <a:fmtScheme name="Office">
+      <a:fillStyleLst>
+        <a:solidFill>
+          <a:schemeClr val="phClr"/>
+        </a:solidFill>
+        <a:gradFill>
+          <a:gsLst>
+            <a:gs pos="0">
+              <a:schemeClr val="phClr">
+                <a:tint val="50000"/>
+                <a:satMod val="300000"/>
+              </a:schemeClr>
+            </a:gs>
+            <a:gs pos="35000">
+              <a:schemeClr val="phClr">
+                <a:tint val="37000"/>
+                <a:satMod val="300000"/>
+              </a:schemeClr>
+            </a:gs>
+            <a:gs pos="100000">
+              <a:schemeClr val="phClr">
+                <a:tint val="15000"/>
+                <a:satMod val="350000"/>
+              </a:schemeClr>
+            </a:gs>
+          </a:gsLst>
+          <a:lin ang="16200000" scaled="1"/>
+        </a:gradFill>
+        <a:gradFill>
+          <a:gsLst>
+            <a:gs pos="0">
+              <a:schemeClr val="phClr">
+                <a:tint val="100000"/>
+                <a:shade val="100000"/>
+                <a:satMod val="130000"/>
+              </a:schemeClr>
+            </a:gs>
+            <a:gs pos="100000">
+              <a:schemeClr val="phClr">
+                <a:tint val="50000"/>
+                <a:shade val="100000"/>
+                <a:satMod val="350000"/>
+              </a:schemeClr>
+            </a:gs>
+          </a:gsLst>
+          <a:lin ang="16200000" scaled="0"/>
+        </a:gradFill>
+      </a:fillStyleLst>
+      <a:lnStyleLst>
+        <a:ln w="9525" cap="flat" cmpd="sng" algn="ctr">
+          <a:solidFill>
+            <a:schemeClr val="phClr">
+              <a:shade val="95000"/>
+              <a:satMod val="105000"/>
+            </a:schemeClr>
+          </a:solidFill>
+          <a:prstDash val="solid"/>
+        </a:ln>
+        <a:ln w="25400" cap="flat" cmpd="sng" algn="ctr">
+          <a:solidFill>
+            <a:schemeClr val="phClr"/>
+          </a:solidFill>
+          <a:prstDash val="solid"/>
+        </a:ln>
+        <a:ln w="38100" cap="flat" cmpd="sng" algn="ctr">
+          <a:solidFill>
+            <a:schemeClr val="phClr"/>
+          </a:solidFill>
+          <a:prstDash val="solid"/>
+        </a:ln>
+      </a:lnStyleLst>
+      <a:effectStyleLst>
+        <a:effectStyle>
+          <a:effectLst>
+            <a:outerShdw blurRad="40000" dist="20000" dir="5400000" rotWithShape="0">
+              <a:srgbClr val="000000">
+                <a:alpha val="38000"/>
+              </a:srgbClr>
+            </a:outerShdw>
+          </a:effectLst>
+        </a:effectStyle>
+        <a:effectStyle>
+          <a:effectLst>
+            <a:outerShdw blurRad="40000" dist="23000" dir="5400000" rotWithShape="0">
+              <a:srgbClr val="000000">
+                <a:alpha val="35000"/>
+              </a:srgbClr>
+            </a:outerShdw>
+          </a:effectLst>
+        </a:effectStyle>
+        <a:effectStyle>
+          <a:effectLst>
+            <a:outerShdw blurRad="40000" dist="23000" dir="5400000" rotWithShape="0">
+              <a:srgbClr val="000000">
+                <a:alpha val="35000"/>
+              </a:srgbClr>
+            </a:outerShdw>
+          </a:effectLst>
+          <a:scene3d>
+            <a:camera prst="orthographicFront">
+              <a:rot lat="0" lon="0" rev="0"/>
+            </a:camera>
+            <a:lightRig rig="threePt" dir="t">
+              <a:rot lat="0" lon="0" rev="1200000"/>
+            </a:lightRig>
+          </a:scene3d>
+          <a:sp3d>
+            <a:bevelT w="63500" h="25400"/>
+          </a:sp3d>
+        </a:effectStyle>
+      </a:effectStyleLst>
+      <a:bgFillStyleLst>
+        <a:solidFill>
+          <a:schemeClr val="phClr"/>
+        </a:solidFill>
+        <a:gradFill>
+          <a:gsLst>
+            <a:gs pos="0">
+              <a:schemeClr val="phClr">
+                <a:tint val="40000"/>
+                <a:satMod val="350000"/>
+              </a:schemeClr>
+            </a:gs>
+            <a:gs pos="40000">
+              <a:schemeClr val="phClr">
+                <a:tint val="45000"/>
+                <a:shade val="99000"/>
+                <a:satMod val="350000"/>
+              </a:schemeClr>
+            </a:gs>
+            <a:gs pos="100000">
+              <a:schemeClr val="phClr">
+                <a:shade val="20000"/>
+                <a:satMod val="255000"/>
+              </a:schemeClr>
+            </a:gs>
+          </a:gsLst>
+          <a:path path="circle"/>
+        </a:gradFill>
+        <a:gradFill>
+          <a:gsLst>
+            <a:gs pos="0">
+              <a:schemeClr val="phClr">
+                <a:tint val="80000"/>
+                <a:satMod val="300000"/>
+              </a:schemeClr>
+            </a:gs>
+            <a:gs pos="100000">
+              <a:schemeClr val="phClr">
+                <a:shade val="30000"/>
+                <a:satMod val="200000"/>
+              </a:schemeClr>
+            </a:gs>
+          </a:gsLst>
+          <a:path path="circle"/>
+        </a:gradFill>
+      </a:bgFillStyleLst>
+    </a:fmtScheme>
+  </a:themeElements>
+  <a:objectDefaults>
+    <a:spDef>
+      <a:spPr bwMode="auto"/>
+      <a:bodyPr/>
+      <a:lstStyle/>
+      <a:style>
+        <a:lnRef idx="1">
+          <a:schemeClr val="accent1"/>
+        </a:lnRef>
+        <a:fillRef idx="3">
+          <a:schemeClr val="accent1"/>
+        </a:fillRef>
+        <a:effectRef idx="2">
+          <a:schemeClr val="accent1"/>
+        </a:effectRef>
+        <a:fontRef idx="minor">
+          <a:schemeClr val="lt1"/>
+        </a:fontRef>
+      </a:style>
+    </a:spDef>
+    <a:lnDef>
+      <a:spPr bwMode="auto"/>
+      <a:bodyPr/>
+      <a:lstStyle/>
+      <a:style>
+        <a:lnRef idx="2">
+          <a:schemeClr val="accent1"/>
+        </a:lnRef>
+        <a:fillRef idx="0">
+          <a:schemeClr val="accent1"/>
+        </a:fillRef>
+        <a:effectRef idx="1">
+          <a:schemeClr val="accent1"/>
+        </a:effectRef>
+        <a:fontRef idx="minor">
+          <a:schemeClr val="tx1"/>
+        </a:fontRef>
+      </a:style>
+    </a:lnDef>
+  </a:objectDefaults>
 </a:theme>
 </file>